--- a/ElastisearchPresentation/Elasticsearch.pptx
+++ b/ElastisearchPresentation/Elasticsearch.pptx
@@ -14,18 +14,17 @@
     <p:sldId id="262" r:id="rId12"/>
     <p:sldId id="263" r:id="rId13"/>
     <p:sldId id="264" r:id="rId14"/>
-    <p:sldId id="265" r:id="rId15"/>
   </p:sldIdLst>
   <p:sldSz cx="18288000" cy="10287000"/>
   <p:notesSz cx="6858000" cy="9144000"/>
   <p:embeddedFontLst>
     <p:embeddedFont>
       <p:font typeface="Canva Sans" charset="1" panose="020B0503030501040103"/>
-      <p:regular r:id="rId16"/>
+      <p:regular r:id="rId15"/>
     </p:embeddedFont>
     <p:embeddedFont>
       <p:font typeface="Canva Sans Bold" charset="1" panose="020B0803030501040103"/>
-      <p:regular r:id="rId17"/>
+      <p:regular r:id="rId16"/>
     </p:embeddedFont>
   </p:embeddedFontLst>
   <p:defaultTextStyle>
@@ -3173,7 +3172,1448 @@
 </p:sld>
 </file>
 
-<file path=ppt/slides/slide10.xml><?xml version="1.0" encoding="utf-8"?>
+<file path=ppt/slides/slide2.xml><?xml version="1.0" encoding="utf-8"?>
+<p:sld xmlns:p="http://schemas.openxmlformats.org/presentationml/2006/main" xmlns:a="http://schemas.openxmlformats.org/drawingml/2006/main">
+  <p:cSld>
+    <p:spTree>
+      <p:nvGrpSpPr>
+        <p:cNvPr id="1" name=""/>
+        <p:cNvGrpSpPr/>
+        <p:nvPr/>
+      </p:nvGrpSpPr>
+      <p:grpSpPr>
+        <a:xfrm>
+          <a:off x="0" y="0"/>
+          <a:ext cx="0" cy="0"/>
+          <a:chOff x="0" y="0"/>
+          <a:chExt cx="0" cy="0"/>
+        </a:xfrm>
+      </p:grpSpPr>
+      <p:sp>
+        <p:nvSpPr>
+          <p:cNvPr name="TextBox 2" id="2"/>
+          <p:cNvSpPr txBox="true"/>
+          <p:nvPr/>
+        </p:nvSpPr>
+        <p:spPr>
+          <a:xfrm rot="0">
+            <a:off x="202532" y="466007"/>
+            <a:ext cx="12790329" cy="1011087"/>
+          </a:xfrm>
+          <a:prstGeom prst="rect">
+            <a:avLst/>
+          </a:prstGeom>
+        </p:spPr>
+        <p:txBody>
+          <a:bodyPr anchor="t" rtlCol="false" tIns="0" lIns="0" bIns="0" rIns="0">
+            <a:spAutoFit/>
+          </a:bodyPr>
+          <a:lstStyle/>
+          <a:p>
+            <a:pPr algn="l">
+              <a:lnSpc>
+                <a:spcPts val="8320"/>
+              </a:lnSpc>
+            </a:pPr>
+            <a:r>
+              <a:rPr lang="en-US" sz="5943" b="true">
+                <a:solidFill>
+                  <a:srgbClr val="000000"/>
+                </a:solidFill>
+                <a:latin typeface="Canva Sans Bold"/>
+                <a:ea typeface="Canva Sans Bold"/>
+                <a:cs typeface="Canva Sans Bold"/>
+                <a:sym typeface="Canva Sans Bold"/>
+              </a:rPr>
+              <a:t>ELK Stack</a:t>
+            </a:r>
+          </a:p>
+        </p:txBody>
+      </p:sp>
+      <p:sp>
+        <p:nvSpPr>
+          <p:cNvPr name="TextBox 3" id="3"/>
+          <p:cNvSpPr txBox="true"/>
+          <p:nvPr/>
+        </p:nvSpPr>
+        <p:spPr>
+          <a:xfrm rot="0">
+            <a:off x="202532" y="1663392"/>
+            <a:ext cx="17817551" cy="1980114"/>
+          </a:xfrm>
+          <a:prstGeom prst="rect">
+            <a:avLst/>
+          </a:prstGeom>
+        </p:spPr>
+        <p:txBody>
+          <a:bodyPr anchor="t" rtlCol="false" tIns="0" lIns="0" bIns="0" rIns="0">
+            <a:spAutoFit/>
+          </a:bodyPr>
+          <a:lstStyle/>
+          <a:p>
+            <a:pPr algn="l">
+              <a:lnSpc>
+                <a:spcPts val="5309"/>
+              </a:lnSpc>
+              <a:spcBef>
+                <a:spcPct val="0"/>
+              </a:spcBef>
+            </a:pPr>
+            <a:r>
+              <a:rPr lang="en-US" sz="3792">
+                <a:solidFill>
+                  <a:srgbClr val="000000"/>
+                </a:solidFill>
+                <a:latin typeface="Canva Sans"/>
+                <a:ea typeface="Canva Sans"/>
+                <a:cs typeface="Canva Sans"/>
+                <a:sym typeface="Canva Sans"/>
+              </a:rPr>
+              <a:t>The ELK stack is a collection of three Open source products - Elasticsearch, LogStash and kibana. they are developed, managed and maintained by the company called Elastic.</a:t>
+            </a:r>
+          </a:p>
+        </p:txBody>
+      </p:sp>
+      <p:sp>
+        <p:nvSpPr>
+          <p:cNvPr name="TextBox 4" id="4"/>
+          <p:cNvSpPr txBox="true"/>
+          <p:nvPr/>
+        </p:nvSpPr>
+        <p:spPr>
+          <a:xfrm rot="0">
+            <a:off x="11083679" y="5157104"/>
+            <a:ext cx="304575" cy="434790"/>
+          </a:xfrm>
+          <a:prstGeom prst="rect">
+            <a:avLst/>
+          </a:prstGeom>
+        </p:spPr>
+        <p:txBody>
+          <a:bodyPr anchor="t" rtlCol="false" tIns="0" lIns="0" bIns="0" rIns="0">
+            <a:spAutoFit/>
+          </a:bodyPr>
+          <a:lstStyle/>
+          <a:p>
+            <a:pPr algn="ctr">
+              <a:lnSpc>
+                <a:spcPts val="3592"/>
+              </a:lnSpc>
+              <a:spcBef>
+                <a:spcPct val="0"/>
+              </a:spcBef>
+            </a:pPr>
+            <a:r>
+              <a:rPr lang="en-US" b="true" sz="2565">
+                <a:solidFill>
+                  <a:srgbClr val="000000"/>
+                </a:solidFill>
+                <a:latin typeface="Canva Sans Bold"/>
+                <a:ea typeface="Canva Sans Bold"/>
+                <a:cs typeface="Canva Sans Bold"/>
+                <a:sym typeface="Canva Sans Bold"/>
+              </a:rPr>
+              <a:t>W</a:t>
+            </a:r>
+          </a:p>
+        </p:txBody>
+      </p:sp>
+      <p:sp>
+        <p:nvSpPr>
+          <p:cNvPr name="TextBox 5" id="5"/>
+          <p:cNvSpPr txBox="true"/>
+          <p:nvPr/>
+        </p:nvSpPr>
+        <p:spPr>
+          <a:xfrm rot="0">
+            <a:off x="0" y="4122178"/>
+            <a:ext cx="17793686" cy="3786663"/>
+          </a:xfrm>
+          <a:prstGeom prst="rect">
+            <a:avLst/>
+          </a:prstGeom>
+        </p:spPr>
+        <p:txBody>
+          <a:bodyPr anchor="t" rtlCol="false" tIns="0" lIns="0" bIns="0" rIns="0">
+            <a:spAutoFit/>
+          </a:bodyPr>
+          <a:lstStyle/>
+          <a:p>
+            <a:pPr algn="l">
+              <a:lnSpc>
+                <a:spcPts val="6011"/>
+              </a:lnSpc>
+            </a:pPr>
+          </a:p>
+          <a:p>
+            <a:pPr algn="l">
+              <a:lnSpc>
+                <a:spcPts val="6011"/>
+              </a:lnSpc>
+            </a:pPr>
+            <a:r>
+              <a:rPr lang="en-US" sz="4293" b="true">
+                <a:solidFill>
+                  <a:srgbClr val="000000"/>
+                </a:solidFill>
+                <a:latin typeface="Canva Sans Bold"/>
+                <a:ea typeface="Canva Sans Bold"/>
+                <a:cs typeface="Canva Sans Bold"/>
+                <a:sym typeface="Canva Sans Bold"/>
+              </a:rPr>
+              <a:t>E  </a:t>
+            </a:r>
+            <a:r>
+              <a:rPr lang="en-US" sz="4293">
+                <a:solidFill>
+                  <a:srgbClr val="000000"/>
+                </a:solidFill>
+                <a:latin typeface="Canva Sans"/>
+                <a:ea typeface="Canva Sans"/>
+                <a:cs typeface="Canva Sans"/>
+                <a:sym typeface="Canva Sans"/>
+              </a:rPr>
+              <a:t>- Open source full-text search and analytics engine. </a:t>
+            </a:r>
+          </a:p>
+          <a:p>
+            <a:pPr algn="l">
+              <a:lnSpc>
+                <a:spcPts val="6011"/>
+              </a:lnSpc>
+            </a:pPr>
+            <a:r>
+              <a:rPr lang="en-US" sz="4293" b="true">
+                <a:solidFill>
+                  <a:srgbClr val="000000"/>
+                </a:solidFill>
+                <a:latin typeface="Canva Sans Bold"/>
+                <a:ea typeface="Canva Sans Bold"/>
+                <a:cs typeface="Canva Sans Bold"/>
+                <a:sym typeface="Canva Sans Bold"/>
+              </a:rPr>
+              <a:t>L</a:t>
+            </a:r>
+            <a:r>
+              <a:rPr lang="en-US" sz="4293">
+                <a:solidFill>
+                  <a:srgbClr val="000000"/>
+                </a:solidFill>
+                <a:latin typeface="Canva Sans"/>
+                <a:ea typeface="Canva Sans"/>
+                <a:cs typeface="Canva Sans"/>
+                <a:sym typeface="Canva Sans"/>
+              </a:rPr>
+              <a:t> - Used for server-side data processing pipeline for Elasticsearch.</a:t>
+            </a:r>
+          </a:p>
+          <a:p>
+            <a:pPr algn="l">
+              <a:lnSpc>
+                <a:spcPts val="6011"/>
+              </a:lnSpc>
+            </a:pPr>
+            <a:r>
+              <a:rPr lang="en-US" b="true" sz="4293">
+                <a:solidFill>
+                  <a:srgbClr val="000000"/>
+                </a:solidFill>
+                <a:latin typeface="Canva Sans Bold"/>
+                <a:ea typeface="Canva Sans Bold"/>
+                <a:cs typeface="Canva Sans Bold"/>
+                <a:sym typeface="Canva Sans Bold"/>
+              </a:rPr>
+              <a:t>K </a:t>
+            </a:r>
+            <a:r>
+              <a:rPr lang="en-US" sz="4293">
+                <a:solidFill>
+                  <a:srgbClr val="000000"/>
+                </a:solidFill>
+                <a:latin typeface="Canva Sans"/>
+                <a:ea typeface="Canva Sans"/>
+                <a:cs typeface="Canva Sans"/>
+                <a:sym typeface="Canva Sans"/>
+              </a:rPr>
+              <a:t>- Open source browser based visualization tool, mainly used to analyze large volume log files.</a:t>
+            </a:r>
+          </a:p>
+        </p:txBody>
+      </p:sp>
+    </p:spTree>
+  </p:cSld>
+  <p:clrMapOvr>
+    <a:masterClrMapping/>
+  </p:clrMapOvr>
+</p:sld>
+</file>
+
+<file path=ppt/slides/slide3.xml><?xml version="1.0" encoding="utf-8"?>
+<p:sld xmlns:p="http://schemas.openxmlformats.org/presentationml/2006/main" xmlns:a="http://schemas.openxmlformats.org/drawingml/2006/main" xmlns:r="http://schemas.openxmlformats.org/officeDocument/2006/relationships">
+  <p:cSld>
+    <p:spTree>
+      <p:nvGrpSpPr>
+        <p:cNvPr id="1" name=""/>
+        <p:cNvGrpSpPr/>
+        <p:nvPr/>
+      </p:nvGrpSpPr>
+      <p:grpSpPr>
+        <a:xfrm>
+          <a:off x="0" y="0"/>
+          <a:ext cx="0" cy="0"/>
+          <a:chOff x="0" y="0"/>
+          <a:chExt cx="0" cy="0"/>
+        </a:xfrm>
+      </p:grpSpPr>
+      <p:sp>
+        <p:nvSpPr>
+          <p:cNvPr name="Freeform 2" id="2"/>
+          <p:cNvSpPr/>
+          <p:nvPr/>
+        </p:nvSpPr>
+        <p:spPr>
+          <a:xfrm flipH="false" flipV="false" rot="0">
+            <a:off x="286034" y="2001987"/>
+            <a:ext cx="17715931" cy="3902295"/>
+          </a:xfrm>
+          <a:custGeom>
+            <a:avLst/>
+            <a:gdLst/>
+            <a:ahLst/>
+            <a:cxnLst/>
+            <a:rect r="r" b="b" t="t" l="l"/>
+            <a:pathLst>
+              <a:path h="3902295" w="17715931">
+                <a:moveTo>
+                  <a:pt x="0" y="0"/>
+                </a:moveTo>
+                <a:lnTo>
+                  <a:pt x="17715932" y="0"/>
+                </a:lnTo>
+                <a:lnTo>
+                  <a:pt x="17715932" y="3902296"/>
+                </a:lnTo>
+                <a:lnTo>
+                  <a:pt x="0" y="3902296"/>
+                </a:lnTo>
+                <a:lnTo>
+                  <a:pt x="0" y="0"/>
+                </a:lnTo>
+                <a:close/>
+              </a:path>
+            </a:pathLst>
+          </a:custGeom>
+          <a:blipFill>
+            <a:blip r:embed="rId2"/>
+            <a:stretch>
+              <a:fillRect l="-1000" t="-2255" r="0" b="-60"/>
+            </a:stretch>
+          </a:blipFill>
+        </p:spPr>
+      </p:sp>
+      <p:sp>
+        <p:nvSpPr>
+          <p:cNvPr name="TextBox 3" id="3"/>
+          <p:cNvSpPr txBox="true"/>
+          <p:nvPr/>
+        </p:nvSpPr>
+        <p:spPr>
+          <a:xfrm rot="0">
+            <a:off x="202532" y="456482"/>
+            <a:ext cx="12790329" cy="1053632"/>
+          </a:xfrm>
+          <a:prstGeom prst="rect">
+            <a:avLst/>
+          </a:prstGeom>
+        </p:spPr>
+        <p:txBody>
+          <a:bodyPr anchor="t" rtlCol="false" tIns="0" lIns="0" bIns="0" rIns="0">
+            <a:spAutoFit/>
+          </a:bodyPr>
+          <a:lstStyle/>
+          <a:p>
+            <a:pPr algn="l">
+              <a:lnSpc>
+                <a:spcPts val="8600"/>
+              </a:lnSpc>
+            </a:pPr>
+            <a:r>
+              <a:rPr lang="en-US" sz="6143" b="true">
+                <a:solidFill>
+                  <a:srgbClr val="000000"/>
+                </a:solidFill>
+                <a:latin typeface="Canva Sans Bold"/>
+                <a:ea typeface="Canva Sans Bold"/>
+                <a:cs typeface="Canva Sans Bold"/>
+                <a:sym typeface="Canva Sans Bold"/>
+              </a:rPr>
+              <a:t>Logstash</a:t>
+            </a:r>
+          </a:p>
+        </p:txBody>
+      </p:sp>
+      <p:sp>
+        <p:nvSpPr>
+          <p:cNvPr name="TextBox 4" id="4"/>
+          <p:cNvSpPr txBox="true"/>
+          <p:nvPr/>
+        </p:nvSpPr>
+        <p:spPr>
+          <a:xfrm rot="0">
+            <a:off x="202532" y="6956878"/>
+            <a:ext cx="17715931" cy="1925888"/>
+          </a:xfrm>
+          <a:prstGeom prst="rect">
+            <a:avLst/>
+          </a:prstGeom>
+        </p:spPr>
+        <p:txBody>
+          <a:bodyPr anchor="t" rtlCol="false" tIns="0" lIns="0" bIns="0" rIns="0">
+            <a:spAutoFit/>
+          </a:bodyPr>
+          <a:lstStyle/>
+          <a:p>
+            <a:pPr algn="l" marL="794002" indent="-397001" lvl="1">
+              <a:lnSpc>
+                <a:spcPts val="5148"/>
+              </a:lnSpc>
+              <a:buFont typeface="Arial"/>
+              <a:buChar char="•"/>
+            </a:pPr>
+            <a:r>
+              <a:rPr lang="en-US" b="true" sz="3677">
+                <a:solidFill>
+                  <a:srgbClr val="000000"/>
+                </a:solidFill>
+                <a:latin typeface="Canva Sans Bold"/>
+                <a:ea typeface="Canva Sans Bold"/>
+                <a:cs typeface="Canva Sans Bold"/>
+                <a:sym typeface="Canva Sans Bold"/>
+              </a:rPr>
+              <a:t>Input </a:t>
+            </a:r>
+            <a:r>
+              <a:rPr lang="en-US" sz="3677">
+                <a:solidFill>
+                  <a:srgbClr val="000000"/>
+                </a:solidFill>
+                <a:latin typeface="Canva Sans"/>
+                <a:ea typeface="Canva Sans"/>
+                <a:cs typeface="Canva Sans"/>
+                <a:sym typeface="Canva Sans"/>
+              </a:rPr>
+              <a:t>: Passing logs to process them into machine understandable format.</a:t>
+            </a:r>
+          </a:p>
+          <a:p>
+            <a:pPr algn="l" marL="794002" indent="-397001" lvl="1">
+              <a:lnSpc>
+                <a:spcPts val="5148"/>
+              </a:lnSpc>
+              <a:buFont typeface="Arial"/>
+              <a:buChar char="•"/>
+            </a:pPr>
+            <a:r>
+              <a:rPr lang="en-US" b="true" sz="3677">
+                <a:solidFill>
+                  <a:srgbClr val="000000"/>
+                </a:solidFill>
+                <a:latin typeface="Canva Sans Bold"/>
+                <a:ea typeface="Canva Sans Bold"/>
+                <a:cs typeface="Canva Sans Bold"/>
+                <a:sym typeface="Canva Sans Bold"/>
+              </a:rPr>
+              <a:t>Filters</a:t>
+            </a:r>
+            <a:r>
+              <a:rPr lang="en-US" sz="3677">
+                <a:solidFill>
+                  <a:srgbClr val="000000"/>
+                </a:solidFill>
+                <a:latin typeface="Canva Sans"/>
+                <a:ea typeface="Canva Sans"/>
+                <a:cs typeface="Canva Sans"/>
+                <a:sym typeface="Canva Sans"/>
+              </a:rPr>
+              <a:t>: It is a set of conditions to perform a particular action or event</a:t>
+            </a:r>
+          </a:p>
+          <a:p>
+            <a:pPr algn="l" marL="794002" indent="-397001" lvl="1">
+              <a:lnSpc>
+                <a:spcPts val="5148"/>
+              </a:lnSpc>
+              <a:buFont typeface="Arial"/>
+              <a:buChar char="•"/>
+            </a:pPr>
+            <a:r>
+              <a:rPr lang="en-US" b="true" sz="3677">
+                <a:solidFill>
+                  <a:srgbClr val="000000"/>
+                </a:solidFill>
+                <a:latin typeface="Canva Sans Bold"/>
+                <a:ea typeface="Canva Sans Bold"/>
+                <a:cs typeface="Canva Sans Bold"/>
+                <a:sym typeface="Canva Sans Bold"/>
+              </a:rPr>
+              <a:t>Output</a:t>
+            </a:r>
+            <a:r>
+              <a:rPr lang="en-US" sz="3677">
+                <a:solidFill>
+                  <a:srgbClr val="000000"/>
+                </a:solidFill>
+                <a:latin typeface="Canva Sans"/>
+                <a:ea typeface="Canva Sans"/>
+                <a:cs typeface="Canva Sans"/>
+                <a:sym typeface="Canva Sans"/>
+              </a:rPr>
+              <a:t>: Decision maker for processed event or log</a:t>
+            </a:r>
+          </a:p>
+        </p:txBody>
+      </p:sp>
+    </p:spTree>
+  </p:cSld>
+  <p:clrMapOvr>
+    <a:masterClrMapping/>
+  </p:clrMapOvr>
+</p:sld>
+</file>
+
+<file path=ppt/slides/slide4.xml><?xml version="1.0" encoding="utf-8"?>
+<p:sld xmlns:p="http://schemas.openxmlformats.org/presentationml/2006/main" xmlns:a="http://schemas.openxmlformats.org/drawingml/2006/main" xmlns:r="http://schemas.openxmlformats.org/officeDocument/2006/relationships">
+  <p:cSld>
+    <p:spTree>
+      <p:nvGrpSpPr>
+        <p:cNvPr id="1" name=""/>
+        <p:cNvGrpSpPr/>
+        <p:nvPr/>
+      </p:nvGrpSpPr>
+      <p:grpSpPr>
+        <a:xfrm>
+          <a:off x="0" y="0"/>
+          <a:ext cx="0" cy="0"/>
+          <a:chOff x="0" y="0"/>
+          <a:chExt cx="0" cy="0"/>
+        </a:xfrm>
+      </p:grpSpPr>
+      <p:sp>
+        <p:nvSpPr>
+          <p:cNvPr name="Freeform 2" id="2"/>
+          <p:cNvSpPr/>
+          <p:nvPr/>
+        </p:nvSpPr>
+        <p:spPr>
+          <a:xfrm flipH="false" flipV="false" rot="0">
+            <a:off x="747938" y="2291478"/>
+            <a:ext cx="17022905" cy="6646408"/>
+          </a:xfrm>
+          <a:custGeom>
+            <a:avLst/>
+            <a:gdLst/>
+            <a:ahLst/>
+            <a:cxnLst/>
+            <a:rect r="r" b="b" t="t" l="l"/>
+            <a:pathLst>
+              <a:path h="6646408" w="17022905">
+                <a:moveTo>
+                  <a:pt x="0" y="0"/>
+                </a:moveTo>
+                <a:lnTo>
+                  <a:pt x="17022904" y="0"/>
+                </a:lnTo>
+                <a:lnTo>
+                  <a:pt x="17022904" y="6646408"/>
+                </a:lnTo>
+                <a:lnTo>
+                  <a:pt x="0" y="6646408"/>
+                </a:lnTo>
+                <a:lnTo>
+                  <a:pt x="0" y="0"/>
+                </a:lnTo>
+                <a:close/>
+              </a:path>
+            </a:pathLst>
+          </a:custGeom>
+          <a:blipFill>
+            <a:blip r:embed="rId2"/>
+            <a:stretch>
+              <a:fillRect l="0" t="-9388" r="0" b="-9388"/>
+            </a:stretch>
+          </a:blipFill>
+        </p:spPr>
+      </p:sp>
+      <p:sp>
+        <p:nvSpPr>
+          <p:cNvPr name="TextBox 3" id="3"/>
+          <p:cNvSpPr txBox="true"/>
+          <p:nvPr/>
+        </p:nvSpPr>
+        <p:spPr>
+          <a:xfrm rot="0">
+            <a:off x="1028700" y="914400"/>
+            <a:ext cx="12790329" cy="1011087"/>
+          </a:xfrm>
+          <a:prstGeom prst="rect">
+            <a:avLst/>
+          </a:prstGeom>
+        </p:spPr>
+        <p:txBody>
+          <a:bodyPr anchor="t" rtlCol="false" tIns="0" lIns="0" bIns="0" rIns="0">
+            <a:spAutoFit/>
+          </a:bodyPr>
+          <a:lstStyle/>
+          <a:p>
+            <a:pPr algn="l">
+              <a:lnSpc>
+                <a:spcPts val="8320"/>
+              </a:lnSpc>
+            </a:pPr>
+            <a:r>
+              <a:rPr lang="en-US" sz="5943" b="true">
+                <a:solidFill>
+                  <a:srgbClr val="000000"/>
+                </a:solidFill>
+                <a:latin typeface="Canva Sans Bold"/>
+                <a:ea typeface="Canva Sans Bold"/>
+                <a:cs typeface="Canva Sans Bold"/>
+                <a:sym typeface="Canva Sans Bold"/>
+              </a:rPr>
+              <a:t>Dashboards</a:t>
+            </a:r>
+          </a:p>
+        </p:txBody>
+      </p:sp>
+    </p:spTree>
+  </p:cSld>
+  <p:clrMapOvr>
+    <a:masterClrMapping/>
+  </p:clrMapOvr>
+</p:sld>
+</file>
+
+<file path=ppt/slides/slide5.xml><?xml version="1.0" encoding="utf-8"?>
+<p:sld xmlns:p="http://schemas.openxmlformats.org/presentationml/2006/main" xmlns:a="http://schemas.openxmlformats.org/drawingml/2006/main" xmlns:r="http://schemas.openxmlformats.org/officeDocument/2006/relationships">
+  <p:cSld>
+    <p:spTree>
+      <p:nvGrpSpPr>
+        <p:cNvPr id="1" name=""/>
+        <p:cNvGrpSpPr/>
+        <p:nvPr/>
+      </p:nvGrpSpPr>
+      <p:grpSpPr>
+        <a:xfrm>
+          <a:off x="0" y="0"/>
+          <a:ext cx="0" cy="0"/>
+          <a:chOff x="0" y="0"/>
+          <a:chExt cx="0" cy="0"/>
+        </a:xfrm>
+      </p:grpSpPr>
+      <p:sp>
+        <p:nvSpPr>
+          <p:cNvPr name="Freeform 2" id="2"/>
+          <p:cNvSpPr/>
+          <p:nvPr/>
+        </p:nvSpPr>
+        <p:spPr>
+          <a:xfrm flipH="false" flipV="false" rot="0">
+            <a:off x="1028700" y="2290765"/>
+            <a:ext cx="16511362" cy="6967535"/>
+          </a:xfrm>
+          <a:custGeom>
+            <a:avLst/>
+            <a:gdLst/>
+            <a:ahLst/>
+            <a:cxnLst/>
+            <a:rect r="r" b="b" t="t" l="l"/>
+            <a:pathLst>
+              <a:path h="6967535" w="16511362">
+                <a:moveTo>
+                  <a:pt x="0" y="0"/>
+                </a:moveTo>
+                <a:lnTo>
+                  <a:pt x="16511362" y="0"/>
+                </a:lnTo>
+                <a:lnTo>
+                  <a:pt x="16511362" y="6967535"/>
+                </a:lnTo>
+                <a:lnTo>
+                  <a:pt x="0" y="6967535"/>
+                </a:lnTo>
+                <a:lnTo>
+                  <a:pt x="0" y="0"/>
+                </a:lnTo>
+                <a:close/>
+              </a:path>
+            </a:pathLst>
+          </a:custGeom>
+          <a:blipFill>
+            <a:blip r:embed="rId2"/>
+            <a:stretch>
+              <a:fillRect l="-300" t="-9067" r="-300" b="0"/>
+            </a:stretch>
+          </a:blipFill>
+        </p:spPr>
+      </p:sp>
+      <p:sp>
+        <p:nvSpPr>
+          <p:cNvPr name="TextBox 3" id="3"/>
+          <p:cNvSpPr txBox="true"/>
+          <p:nvPr/>
+        </p:nvSpPr>
+        <p:spPr>
+          <a:xfrm rot="0">
+            <a:off x="1028700" y="914400"/>
+            <a:ext cx="12790329" cy="1011087"/>
+          </a:xfrm>
+          <a:prstGeom prst="rect">
+            <a:avLst/>
+          </a:prstGeom>
+        </p:spPr>
+        <p:txBody>
+          <a:bodyPr anchor="t" rtlCol="false" tIns="0" lIns="0" bIns="0" rIns="0">
+            <a:spAutoFit/>
+          </a:bodyPr>
+          <a:lstStyle/>
+          <a:p>
+            <a:pPr algn="l">
+              <a:lnSpc>
+                <a:spcPts val="8320"/>
+              </a:lnSpc>
+            </a:pPr>
+            <a:r>
+              <a:rPr lang="en-US" sz="5943" b="true">
+                <a:solidFill>
+                  <a:srgbClr val="000000"/>
+                </a:solidFill>
+                <a:latin typeface="Canva Sans Bold"/>
+                <a:ea typeface="Canva Sans Bold"/>
+                <a:cs typeface="Canva Sans Bold"/>
+                <a:sym typeface="Canva Sans Bold"/>
+              </a:rPr>
+              <a:t>Pie Chart Visualization</a:t>
+            </a:r>
+          </a:p>
+        </p:txBody>
+      </p:sp>
+    </p:spTree>
+  </p:cSld>
+  <p:clrMapOvr>
+    <a:masterClrMapping/>
+  </p:clrMapOvr>
+</p:sld>
+</file>
+
+<file path=ppt/slides/slide6.xml><?xml version="1.0" encoding="utf-8"?>
+<p:sld xmlns:p="http://schemas.openxmlformats.org/presentationml/2006/main" xmlns:a="http://schemas.openxmlformats.org/drawingml/2006/main" xmlns:r="http://schemas.openxmlformats.org/officeDocument/2006/relationships">
+  <p:cSld>
+    <p:spTree>
+      <p:nvGrpSpPr>
+        <p:cNvPr id="1" name=""/>
+        <p:cNvGrpSpPr/>
+        <p:nvPr/>
+      </p:nvGrpSpPr>
+      <p:grpSpPr>
+        <a:xfrm>
+          <a:off x="0" y="0"/>
+          <a:ext cx="0" cy="0"/>
+          <a:chOff x="0" y="0"/>
+          <a:chExt cx="0" cy="0"/>
+        </a:xfrm>
+      </p:grpSpPr>
+      <p:sp>
+        <p:nvSpPr>
+          <p:cNvPr name="TextBox 2" id="2"/>
+          <p:cNvSpPr txBox="true"/>
+          <p:nvPr/>
+        </p:nvSpPr>
+        <p:spPr>
+          <a:xfrm rot="0">
+            <a:off x="11083679" y="5157104"/>
+            <a:ext cx="304575" cy="434790"/>
+          </a:xfrm>
+          <a:prstGeom prst="rect">
+            <a:avLst/>
+          </a:prstGeom>
+        </p:spPr>
+        <p:txBody>
+          <a:bodyPr anchor="t" rtlCol="false" tIns="0" lIns="0" bIns="0" rIns="0">
+            <a:spAutoFit/>
+          </a:bodyPr>
+          <a:lstStyle/>
+          <a:p>
+            <a:pPr algn="ctr">
+              <a:lnSpc>
+                <a:spcPts val="3592"/>
+              </a:lnSpc>
+              <a:spcBef>
+                <a:spcPct val="0"/>
+              </a:spcBef>
+            </a:pPr>
+            <a:r>
+              <a:rPr lang="en-US" b="true" sz="2565">
+                <a:solidFill>
+                  <a:srgbClr val="000000"/>
+                </a:solidFill>
+                <a:latin typeface="Canva Sans Bold"/>
+                <a:ea typeface="Canva Sans Bold"/>
+                <a:cs typeface="Canva Sans Bold"/>
+                <a:sym typeface="Canva Sans Bold"/>
+              </a:rPr>
+              <a:t>W</a:t>
+            </a:r>
+          </a:p>
+        </p:txBody>
+      </p:sp>
+      <p:sp>
+        <p:nvSpPr>
+          <p:cNvPr name="TextBox 3" id="3"/>
+          <p:cNvSpPr txBox="true"/>
+          <p:nvPr/>
+        </p:nvSpPr>
+        <p:spPr>
+          <a:xfrm rot="0">
+            <a:off x="0" y="7332415"/>
+            <a:ext cx="17716445" cy="1925885"/>
+          </a:xfrm>
+          <a:prstGeom prst="rect">
+            <a:avLst/>
+          </a:prstGeom>
+        </p:spPr>
+        <p:txBody>
+          <a:bodyPr anchor="t" rtlCol="false" tIns="0" lIns="0" bIns="0" rIns="0">
+            <a:spAutoFit/>
+          </a:bodyPr>
+          <a:lstStyle/>
+          <a:p>
+            <a:pPr algn="l" marL="794025" indent="-397013" lvl="1">
+              <a:lnSpc>
+                <a:spcPts val="5148"/>
+              </a:lnSpc>
+              <a:buFont typeface="Arial"/>
+              <a:buChar char="•"/>
+            </a:pPr>
+            <a:r>
+              <a:rPr lang="en-US" b="true" sz="3677">
+                <a:solidFill>
+                  <a:srgbClr val="000000"/>
+                </a:solidFill>
+                <a:latin typeface="Canva Sans Bold"/>
+                <a:ea typeface="Canva Sans Bold"/>
+                <a:cs typeface="Canva Sans Bold"/>
+                <a:sym typeface="Canva Sans Bold"/>
+              </a:rPr>
+              <a:t>Range Queries</a:t>
+            </a:r>
+            <a:r>
+              <a:rPr lang="en-US" sz="3677">
+                <a:solidFill>
+                  <a:srgbClr val="000000"/>
+                </a:solidFill>
+                <a:latin typeface="Canva Sans"/>
+                <a:ea typeface="Canva Sans"/>
+                <a:cs typeface="Canva Sans"/>
+                <a:sym typeface="Canva Sans"/>
+              </a:rPr>
+              <a:t>: Useful to filter data from a specific period.</a:t>
+            </a:r>
+          </a:p>
+          <a:p>
+            <a:pPr algn="l" marL="794025" indent="-397013" lvl="1">
+              <a:lnSpc>
+                <a:spcPts val="5148"/>
+              </a:lnSpc>
+              <a:buFont typeface="Arial"/>
+              <a:buChar char="•"/>
+            </a:pPr>
+            <a:r>
+              <a:rPr lang="en-US" b="true" sz="3677">
+                <a:solidFill>
+                  <a:srgbClr val="000000"/>
+                </a:solidFill>
+                <a:latin typeface="Canva Sans Bold"/>
+                <a:ea typeface="Canva Sans Bold"/>
+                <a:cs typeface="Canva Sans Bold"/>
+                <a:sym typeface="Canva Sans Bold"/>
+              </a:rPr>
+              <a:t>Term Queries:</a:t>
+            </a:r>
+            <a:r>
+              <a:rPr lang="en-US" sz="3677">
+                <a:solidFill>
+                  <a:srgbClr val="000000"/>
+                </a:solidFill>
+                <a:latin typeface="Canva Sans"/>
+                <a:ea typeface="Canva Sans"/>
+                <a:cs typeface="Canva Sans"/>
+                <a:sym typeface="Canva Sans"/>
+              </a:rPr>
+              <a:t> Useful for an exact match.</a:t>
+            </a:r>
+          </a:p>
+          <a:p>
+            <a:pPr algn="l" marL="794025" indent="-397013" lvl="1">
+              <a:lnSpc>
+                <a:spcPts val="5148"/>
+              </a:lnSpc>
+              <a:buFont typeface="Arial"/>
+              <a:buChar char="•"/>
+            </a:pPr>
+            <a:r>
+              <a:rPr lang="en-US" b="true" sz="3677">
+                <a:solidFill>
+                  <a:srgbClr val="000000"/>
+                </a:solidFill>
+                <a:latin typeface="Canva Sans Bold"/>
+                <a:ea typeface="Canva Sans Bold"/>
+                <a:cs typeface="Canva Sans Bold"/>
+                <a:sym typeface="Canva Sans Bold"/>
+              </a:rPr>
+              <a:t>Match Queries</a:t>
+            </a:r>
+            <a:r>
+              <a:rPr lang="en-US" sz="3677">
+                <a:solidFill>
+                  <a:srgbClr val="000000"/>
+                </a:solidFill>
+                <a:latin typeface="Canva Sans"/>
+                <a:ea typeface="Canva Sans"/>
+                <a:cs typeface="Canva Sans"/>
+                <a:sym typeface="Canva Sans"/>
+              </a:rPr>
+              <a:t>: More flexible and useful for broader and targeted result.</a:t>
+            </a:r>
+          </a:p>
+        </p:txBody>
+      </p:sp>
+      <p:sp>
+        <p:nvSpPr>
+          <p:cNvPr name="Freeform 4" id="4"/>
+          <p:cNvSpPr/>
+          <p:nvPr/>
+        </p:nvSpPr>
+        <p:spPr>
+          <a:xfrm flipH="false" flipV="false" rot="0">
+            <a:off x="2737370" y="1771767"/>
+            <a:ext cx="10503905" cy="5332649"/>
+          </a:xfrm>
+          <a:custGeom>
+            <a:avLst/>
+            <a:gdLst/>
+            <a:ahLst/>
+            <a:cxnLst/>
+            <a:rect r="r" b="b" t="t" l="l"/>
+            <a:pathLst>
+              <a:path h="5332649" w="10503905">
+                <a:moveTo>
+                  <a:pt x="0" y="0"/>
+                </a:moveTo>
+                <a:lnTo>
+                  <a:pt x="10503905" y="0"/>
+                </a:lnTo>
+                <a:lnTo>
+                  <a:pt x="10503905" y="5332649"/>
+                </a:lnTo>
+                <a:lnTo>
+                  <a:pt x="0" y="5332649"/>
+                </a:lnTo>
+                <a:lnTo>
+                  <a:pt x="0" y="0"/>
+                </a:lnTo>
+                <a:close/>
+              </a:path>
+            </a:pathLst>
+          </a:custGeom>
+          <a:blipFill>
+            <a:blip r:embed="rId2"/>
+            <a:stretch>
+              <a:fillRect l="0" t="0" r="-2451" b="0"/>
+            </a:stretch>
+          </a:blipFill>
+        </p:spPr>
+      </p:sp>
+      <p:sp>
+        <p:nvSpPr>
+          <p:cNvPr name="TextBox 5" id="5"/>
+          <p:cNvSpPr txBox="true"/>
+          <p:nvPr/>
+        </p:nvSpPr>
+        <p:spPr>
+          <a:xfrm rot="0">
+            <a:off x="202532" y="466007"/>
+            <a:ext cx="12790329" cy="1011087"/>
+          </a:xfrm>
+          <a:prstGeom prst="rect">
+            <a:avLst/>
+          </a:prstGeom>
+        </p:spPr>
+        <p:txBody>
+          <a:bodyPr anchor="t" rtlCol="false" tIns="0" lIns="0" bIns="0" rIns="0">
+            <a:spAutoFit/>
+          </a:bodyPr>
+          <a:lstStyle/>
+          <a:p>
+            <a:pPr algn="l">
+              <a:lnSpc>
+                <a:spcPts val="8320"/>
+              </a:lnSpc>
+            </a:pPr>
+            <a:r>
+              <a:rPr lang="en-US" sz="5943" b="true">
+                <a:solidFill>
+                  <a:srgbClr val="000000"/>
+                </a:solidFill>
+                <a:latin typeface="Canva Sans Bold"/>
+                <a:ea typeface="Canva Sans Bold"/>
+                <a:cs typeface="Canva Sans Bold"/>
+                <a:sym typeface="Canva Sans Bold"/>
+              </a:rPr>
+              <a:t>Querying in DSL</a:t>
+            </a:r>
+          </a:p>
+        </p:txBody>
+      </p:sp>
+    </p:spTree>
+  </p:cSld>
+  <p:clrMapOvr>
+    <a:masterClrMapping/>
+  </p:clrMapOvr>
+</p:sld>
+</file>
+
+<file path=ppt/slides/slide7.xml><?xml version="1.0" encoding="utf-8"?>
+<p:sld xmlns:p="http://schemas.openxmlformats.org/presentationml/2006/main" xmlns:a="http://schemas.openxmlformats.org/drawingml/2006/main">
+  <p:cSld>
+    <p:spTree>
+      <p:nvGrpSpPr>
+        <p:cNvPr id="1" name=""/>
+        <p:cNvGrpSpPr/>
+        <p:nvPr/>
+      </p:nvGrpSpPr>
+      <p:grpSpPr>
+        <a:xfrm>
+          <a:off x="0" y="0"/>
+          <a:ext cx="0" cy="0"/>
+          <a:chOff x="0" y="0"/>
+          <a:chExt cx="0" cy="0"/>
+        </a:xfrm>
+      </p:grpSpPr>
+      <p:sp>
+        <p:nvSpPr>
+          <p:cNvPr name="TextBox 2" id="2"/>
+          <p:cNvSpPr txBox="true"/>
+          <p:nvPr/>
+        </p:nvSpPr>
+        <p:spPr>
+          <a:xfrm rot="0">
+            <a:off x="202532" y="466007"/>
+            <a:ext cx="12790329" cy="1011087"/>
+          </a:xfrm>
+          <a:prstGeom prst="rect">
+            <a:avLst/>
+          </a:prstGeom>
+        </p:spPr>
+        <p:txBody>
+          <a:bodyPr anchor="t" rtlCol="false" tIns="0" lIns="0" bIns="0" rIns="0">
+            <a:spAutoFit/>
+          </a:bodyPr>
+          <a:lstStyle/>
+          <a:p>
+            <a:pPr algn="l">
+              <a:lnSpc>
+                <a:spcPts val="8320"/>
+              </a:lnSpc>
+            </a:pPr>
+            <a:r>
+              <a:rPr lang="en-US" sz="5943" b="true">
+                <a:solidFill>
+                  <a:srgbClr val="000000"/>
+                </a:solidFill>
+                <a:latin typeface="Canva Sans Bold"/>
+                <a:ea typeface="Canva Sans Bold"/>
+                <a:cs typeface="Canva Sans Bold"/>
+                <a:sym typeface="Canva Sans Bold"/>
+              </a:rPr>
+              <a:t>Boolean Queries</a:t>
+            </a:r>
+          </a:p>
+        </p:txBody>
+      </p:sp>
+      <p:sp>
+        <p:nvSpPr>
+          <p:cNvPr name="TextBox 3" id="3"/>
+          <p:cNvSpPr txBox="true"/>
+          <p:nvPr/>
+        </p:nvSpPr>
+        <p:spPr>
+          <a:xfrm rot="0">
+            <a:off x="202532" y="1663392"/>
+            <a:ext cx="17817551" cy="1980114"/>
+          </a:xfrm>
+          <a:prstGeom prst="rect">
+            <a:avLst/>
+          </a:prstGeom>
+        </p:spPr>
+        <p:txBody>
+          <a:bodyPr anchor="t" rtlCol="false" tIns="0" lIns="0" bIns="0" rIns="0">
+            <a:spAutoFit/>
+          </a:bodyPr>
+          <a:lstStyle/>
+          <a:p>
+            <a:pPr algn="l">
+              <a:lnSpc>
+                <a:spcPts val="5309"/>
+              </a:lnSpc>
+            </a:pPr>
+            <a:r>
+              <a:rPr lang="en-US" sz="3792">
+                <a:solidFill>
+                  <a:srgbClr val="000000"/>
+                </a:solidFill>
+                <a:latin typeface="Canva Sans"/>
+                <a:ea typeface="Canva Sans"/>
+                <a:cs typeface="Canva Sans"/>
+                <a:sym typeface="Canva Sans"/>
+              </a:rPr>
+              <a:t>Elasticsearch provides a powerful querying known as query DSL(domain specific language).</a:t>
+            </a:r>
+          </a:p>
+          <a:p>
+            <a:pPr algn="l">
+              <a:lnSpc>
+                <a:spcPts val="5309"/>
+              </a:lnSpc>
+              <a:spcBef>
+                <a:spcPct val="0"/>
+              </a:spcBef>
+            </a:pPr>
+          </a:p>
+        </p:txBody>
+      </p:sp>
+      <p:sp>
+        <p:nvSpPr>
+          <p:cNvPr name="TextBox 4" id="4"/>
+          <p:cNvSpPr txBox="true"/>
+          <p:nvPr/>
+        </p:nvSpPr>
+        <p:spPr>
+          <a:xfrm rot="0">
+            <a:off x="202532" y="3781968"/>
+            <a:ext cx="17817551" cy="5326564"/>
+          </a:xfrm>
+          <a:prstGeom prst="rect">
+            <a:avLst/>
+          </a:prstGeom>
+        </p:spPr>
+        <p:txBody>
+          <a:bodyPr anchor="t" rtlCol="false" tIns="0" lIns="0" bIns="0" rIns="0">
+            <a:spAutoFit/>
+          </a:bodyPr>
+          <a:lstStyle/>
+          <a:p>
+            <a:pPr algn="l" marL="818858" indent="-409429" lvl="1">
+              <a:lnSpc>
+                <a:spcPts val="5309"/>
+              </a:lnSpc>
+              <a:buFont typeface="Arial"/>
+              <a:buChar char="•"/>
+            </a:pPr>
+            <a:r>
+              <a:rPr lang="en-US" sz="3792">
+                <a:solidFill>
+                  <a:srgbClr val="000000"/>
+                </a:solidFill>
+                <a:latin typeface="Canva Sans"/>
+                <a:ea typeface="Canva Sans"/>
+                <a:cs typeface="Canva Sans"/>
+                <a:sym typeface="Canva Sans"/>
+              </a:rPr>
+              <a:t>The </a:t>
+            </a:r>
+            <a:r>
+              <a:rPr lang="en-US" b="true" sz="3792">
+                <a:solidFill>
+                  <a:srgbClr val="000000"/>
+                </a:solidFill>
+                <a:latin typeface="Canva Sans Bold"/>
+                <a:ea typeface="Canva Sans Bold"/>
+                <a:cs typeface="Canva Sans Bold"/>
+                <a:sym typeface="Canva Sans Bold"/>
+              </a:rPr>
+              <a:t>must </a:t>
+            </a:r>
+            <a:r>
+              <a:rPr lang="en-US" sz="3792">
+                <a:solidFill>
+                  <a:srgbClr val="000000"/>
+                </a:solidFill>
+                <a:latin typeface="Canva Sans"/>
+                <a:ea typeface="Canva Sans"/>
+                <a:cs typeface="Canva Sans"/>
+                <a:sym typeface="Canva Sans"/>
+              </a:rPr>
+              <a:t>clause specifies conditions that must be met for a document to be considered a match.</a:t>
+            </a:r>
+          </a:p>
+          <a:p>
+            <a:pPr algn="l" marL="818858" indent="-409429" lvl="1">
+              <a:lnSpc>
+                <a:spcPts val="5309"/>
+              </a:lnSpc>
+              <a:buFont typeface="Arial"/>
+              <a:buChar char="•"/>
+            </a:pPr>
+            <a:r>
+              <a:rPr lang="en-US" sz="3792">
+                <a:solidFill>
+                  <a:srgbClr val="000000"/>
+                </a:solidFill>
+                <a:latin typeface="Canva Sans"/>
+                <a:ea typeface="Canva Sans"/>
+                <a:cs typeface="Canva Sans"/>
+                <a:sym typeface="Canva Sans"/>
+              </a:rPr>
+              <a:t>The</a:t>
+            </a:r>
+            <a:r>
+              <a:rPr lang="en-US" b="true" sz="3792">
+                <a:solidFill>
+                  <a:srgbClr val="000000"/>
+                </a:solidFill>
+                <a:latin typeface="Canva Sans Bold"/>
+                <a:ea typeface="Canva Sans Bold"/>
+                <a:cs typeface="Canva Sans Bold"/>
+                <a:sym typeface="Canva Sans Bold"/>
+              </a:rPr>
+              <a:t> must_not</a:t>
+            </a:r>
+            <a:r>
+              <a:rPr lang="en-US" sz="3792">
+                <a:solidFill>
+                  <a:srgbClr val="000000"/>
+                </a:solidFill>
+                <a:latin typeface="Canva Sans"/>
+                <a:ea typeface="Canva Sans"/>
+                <a:cs typeface="Canva Sans"/>
+                <a:sym typeface="Canva Sans"/>
+              </a:rPr>
+              <a:t> clause excludes documents that match specific criteria,</a:t>
+            </a:r>
+          </a:p>
+          <a:p>
+            <a:pPr algn="l" marL="818858" indent="-409429" lvl="1">
+              <a:lnSpc>
+                <a:spcPts val="5309"/>
+              </a:lnSpc>
+              <a:buFont typeface="Arial"/>
+              <a:buChar char="•"/>
+            </a:pPr>
+            <a:r>
+              <a:rPr lang="en-US" sz="3792">
+                <a:solidFill>
+                  <a:srgbClr val="000000"/>
+                </a:solidFill>
+                <a:latin typeface="Canva Sans"/>
+                <a:ea typeface="Canva Sans"/>
+                <a:cs typeface="Canva Sans"/>
+                <a:sym typeface="Canva Sans"/>
+              </a:rPr>
+              <a:t>The </a:t>
+            </a:r>
+            <a:r>
+              <a:rPr lang="en-US" b="true" sz="3792">
+                <a:solidFill>
+                  <a:srgbClr val="000000"/>
+                </a:solidFill>
+                <a:latin typeface="Canva Sans Bold"/>
+                <a:ea typeface="Canva Sans Bold"/>
+                <a:cs typeface="Canva Sans Bold"/>
+                <a:sym typeface="Canva Sans Bold"/>
+              </a:rPr>
+              <a:t>should </a:t>
+            </a:r>
+            <a:r>
+              <a:rPr lang="en-US" sz="3792">
+                <a:solidFill>
+                  <a:srgbClr val="000000"/>
+                </a:solidFill>
+                <a:latin typeface="Canva Sans"/>
+                <a:ea typeface="Canva Sans"/>
+                <a:cs typeface="Canva Sans"/>
+                <a:sym typeface="Canva Sans"/>
+              </a:rPr>
+              <a:t>clause specifies additional conditions that are desirable, but not required for a document to be considered a match. if the document matches, it will contribute to the scoring</a:t>
+            </a:r>
+          </a:p>
+          <a:p>
+            <a:pPr algn="l" marL="818858" indent="-409429" lvl="1">
+              <a:lnSpc>
+                <a:spcPts val="5309"/>
+              </a:lnSpc>
+              <a:buFont typeface="Arial"/>
+              <a:buChar char="•"/>
+            </a:pPr>
+            <a:r>
+              <a:rPr lang="en-US" sz="3792">
+                <a:solidFill>
+                  <a:srgbClr val="000000"/>
+                </a:solidFill>
+                <a:latin typeface="Canva Sans"/>
+                <a:ea typeface="Canva Sans"/>
+                <a:cs typeface="Canva Sans"/>
+                <a:sym typeface="Canva Sans"/>
+              </a:rPr>
+              <a:t>The </a:t>
+            </a:r>
+            <a:r>
+              <a:rPr lang="en-US" b="true" sz="3792">
+                <a:solidFill>
+                  <a:srgbClr val="000000"/>
+                </a:solidFill>
+                <a:latin typeface="Canva Sans Bold"/>
+                <a:ea typeface="Canva Sans Bold"/>
+                <a:cs typeface="Canva Sans Bold"/>
+                <a:sym typeface="Canva Sans Bold"/>
+              </a:rPr>
+              <a:t>filter </a:t>
+            </a:r>
+            <a:r>
+              <a:rPr lang="en-US" sz="3792">
+                <a:solidFill>
+                  <a:srgbClr val="000000"/>
+                </a:solidFill>
+                <a:latin typeface="Canva Sans"/>
+                <a:ea typeface="Canva Sans"/>
+                <a:cs typeface="Canva Sans"/>
+                <a:sym typeface="Canva Sans"/>
+              </a:rPr>
+              <a:t>clause applies conditions that must be met but does not affect the relevant score of the documents.</a:t>
+            </a:r>
+          </a:p>
+        </p:txBody>
+      </p:sp>
+    </p:spTree>
+  </p:cSld>
+  <p:clrMapOvr>
+    <a:masterClrMapping/>
+  </p:clrMapOvr>
+</p:sld>
+</file>
+
+<file path=ppt/slides/slide8.xml><?xml version="1.0" encoding="utf-8"?>
+<p:sld xmlns:p="http://schemas.openxmlformats.org/presentationml/2006/main" xmlns:a="http://schemas.openxmlformats.org/drawingml/2006/main" xmlns:r="http://schemas.openxmlformats.org/officeDocument/2006/relationships">
+  <p:cSld>
+    <p:spTree>
+      <p:nvGrpSpPr>
+        <p:cNvPr id="1" name=""/>
+        <p:cNvGrpSpPr/>
+        <p:nvPr/>
+      </p:nvGrpSpPr>
+      <p:grpSpPr>
+        <a:xfrm>
+          <a:off x="0" y="0"/>
+          <a:ext cx="0" cy="0"/>
+          <a:chOff x="0" y="0"/>
+          <a:chExt cx="0" cy="0"/>
+        </a:xfrm>
+      </p:grpSpPr>
+      <p:sp>
+        <p:nvSpPr>
+          <p:cNvPr name="Freeform 2" id="2"/>
+          <p:cNvSpPr/>
+          <p:nvPr/>
+        </p:nvSpPr>
+        <p:spPr>
+          <a:xfrm flipH="false" flipV="false" rot="0">
+            <a:off x="202532" y="1742182"/>
+            <a:ext cx="17726860" cy="8154356"/>
+          </a:xfrm>
+          <a:custGeom>
+            <a:avLst/>
+            <a:gdLst/>
+            <a:ahLst/>
+            <a:cxnLst/>
+            <a:rect r="r" b="b" t="t" l="l"/>
+            <a:pathLst>
+              <a:path h="8154356" w="17726860">
+                <a:moveTo>
+                  <a:pt x="0" y="0"/>
+                </a:moveTo>
+                <a:lnTo>
+                  <a:pt x="17726860" y="0"/>
+                </a:lnTo>
+                <a:lnTo>
+                  <a:pt x="17726860" y="8154355"/>
+                </a:lnTo>
+                <a:lnTo>
+                  <a:pt x="0" y="8154355"/>
+                </a:lnTo>
+                <a:lnTo>
+                  <a:pt x="0" y="0"/>
+                </a:lnTo>
+                <a:close/>
+              </a:path>
+            </a:pathLst>
+          </a:custGeom>
+          <a:blipFill>
+            <a:blip r:embed="rId2"/>
+            <a:stretch>
+              <a:fillRect l="0" t="0" r="0" b="0"/>
+            </a:stretch>
+          </a:blipFill>
+        </p:spPr>
+      </p:sp>
+      <p:sp>
+        <p:nvSpPr>
+          <p:cNvPr name="TextBox 3" id="3"/>
+          <p:cNvSpPr txBox="true"/>
+          <p:nvPr/>
+        </p:nvSpPr>
+        <p:spPr>
+          <a:xfrm rot="0">
+            <a:off x="202532" y="485057"/>
+            <a:ext cx="17056768" cy="862011"/>
+          </a:xfrm>
+          <a:prstGeom prst="rect">
+            <a:avLst/>
+          </a:prstGeom>
+        </p:spPr>
+        <p:txBody>
+          <a:bodyPr anchor="t" rtlCol="false" tIns="0" lIns="0" bIns="0" rIns="0">
+            <a:spAutoFit/>
+          </a:bodyPr>
+          <a:lstStyle/>
+          <a:p>
+            <a:pPr algn="l">
+              <a:lnSpc>
+                <a:spcPts val="7087"/>
+              </a:lnSpc>
+            </a:pPr>
+            <a:r>
+              <a:rPr lang="en-US" sz="5062" b="true">
+                <a:solidFill>
+                  <a:srgbClr val="000000"/>
+                </a:solidFill>
+                <a:latin typeface="Canva Sans Bold"/>
+                <a:ea typeface="Canva Sans Bold"/>
+                <a:cs typeface="Canva Sans Bold"/>
+                <a:sym typeface="Canva Sans Bold"/>
+              </a:rPr>
+              <a:t>Visualize data using KQL</a:t>
+            </a:r>
+          </a:p>
+        </p:txBody>
+      </p:sp>
+    </p:spTree>
+  </p:cSld>
+  <p:clrMapOvr>
+    <a:masterClrMapping/>
+  </p:clrMapOvr>
+</p:sld>
+</file>
+
+<file path=ppt/slides/slide9.xml><?xml version="1.0" encoding="utf-8"?>
 <p:sld xmlns:p="http://schemas.openxmlformats.org/presentationml/2006/main" xmlns:a="http://schemas.openxmlformats.org/drawingml/2006/main" xmlns:r="http://schemas.openxmlformats.org/officeDocument/2006/relationships">
   <p:cSld>
     <p:spTree>
@@ -3273,1774 +4713,6 @@
                 <a:sym typeface="Canva Sans Bold"/>
               </a:rPr>
               <a:t>Visualize data using ES|QL</a:t>
-            </a:r>
-          </a:p>
-        </p:txBody>
-      </p:sp>
-    </p:spTree>
-  </p:cSld>
-  <p:clrMapOvr>
-    <a:masterClrMapping/>
-  </p:clrMapOvr>
-</p:sld>
-</file>
-
-<file path=ppt/slides/slide2.xml><?xml version="1.0" encoding="utf-8"?>
-<p:sld xmlns:p="http://schemas.openxmlformats.org/presentationml/2006/main" xmlns:a="http://schemas.openxmlformats.org/drawingml/2006/main">
-  <p:cSld>
-    <p:spTree>
-      <p:nvGrpSpPr>
-        <p:cNvPr id="1" name=""/>
-        <p:cNvGrpSpPr/>
-        <p:nvPr/>
-      </p:nvGrpSpPr>
-      <p:grpSpPr>
-        <a:xfrm>
-          <a:off x="0" y="0"/>
-          <a:ext cx="0" cy="0"/>
-          <a:chOff x="0" y="0"/>
-          <a:chExt cx="0" cy="0"/>
-        </a:xfrm>
-      </p:grpSpPr>
-      <p:sp>
-        <p:nvSpPr>
-          <p:cNvPr name="TextBox 2" id="2"/>
-          <p:cNvSpPr txBox="true"/>
-          <p:nvPr/>
-        </p:nvSpPr>
-        <p:spPr>
-          <a:xfrm rot="0">
-            <a:off x="202532" y="466007"/>
-            <a:ext cx="12790329" cy="1011087"/>
-          </a:xfrm>
-          <a:prstGeom prst="rect">
-            <a:avLst/>
-          </a:prstGeom>
-        </p:spPr>
-        <p:txBody>
-          <a:bodyPr anchor="t" rtlCol="false" tIns="0" lIns="0" bIns="0" rIns="0">
-            <a:spAutoFit/>
-          </a:bodyPr>
-          <a:lstStyle/>
-          <a:p>
-            <a:pPr algn="l">
-              <a:lnSpc>
-                <a:spcPts val="8320"/>
-              </a:lnSpc>
-            </a:pPr>
-            <a:r>
-              <a:rPr lang="en-US" sz="5943" b="true">
-                <a:solidFill>
-                  <a:srgbClr val="000000"/>
-                </a:solidFill>
-                <a:latin typeface="Canva Sans Bold"/>
-                <a:ea typeface="Canva Sans Bold"/>
-                <a:cs typeface="Canva Sans Bold"/>
-                <a:sym typeface="Canva Sans Bold"/>
-              </a:rPr>
-              <a:t>ELK Stack</a:t>
-            </a:r>
-          </a:p>
-        </p:txBody>
-      </p:sp>
-      <p:sp>
-        <p:nvSpPr>
-          <p:cNvPr name="TextBox 3" id="3"/>
-          <p:cNvSpPr txBox="true"/>
-          <p:nvPr/>
-        </p:nvSpPr>
-        <p:spPr>
-          <a:xfrm rot="0">
-            <a:off x="202532" y="1663392"/>
-            <a:ext cx="17817551" cy="1980114"/>
-          </a:xfrm>
-          <a:prstGeom prst="rect">
-            <a:avLst/>
-          </a:prstGeom>
-        </p:spPr>
-        <p:txBody>
-          <a:bodyPr anchor="t" rtlCol="false" tIns="0" lIns="0" bIns="0" rIns="0">
-            <a:spAutoFit/>
-          </a:bodyPr>
-          <a:lstStyle/>
-          <a:p>
-            <a:pPr algn="l">
-              <a:lnSpc>
-                <a:spcPts val="5309"/>
-              </a:lnSpc>
-              <a:spcBef>
-                <a:spcPct val="0"/>
-              </a:spcBef>
-            </a:pPr>
-            <a:r>
-              <a:rPr lang="en-US" sz="3792">
-                <a:solidFill>
-                  <a:srgbClr val="000000"/>
-                </a:solidFill>
-                <a:latin typeface="Canva Sans"/>
-                <a:ea typeface="Canva Sans"/>
-                <a:cs typeface="Canva Sans"/>
-                <a:sym typeface="Canva Sans"/>
-              </a:rPr>
-              <a:t>The ELK stack is a collection of three Open source products - Elasticsearch, LogStash and kibana. they are developed, managed and maintained by the company called Elastic.</a:t>
-            </a:r>
-          </a:p>
-        </p:txBody>
-      </p:sp>
-      <p:sp>
-        <p:nvSpPr>
-          <p:cNvPr name="TextBox 4" id="4"/>
-          <p:cNvSpPr txBox="true"/>
-          <p:nvPr/>
-        </p:nvSpPr>
-        <p:spPr>
-          <a:xfrm rot="0">
-            <a:off x="11083679" y="5157104"/>
-            <a:ext cx="304575" cy="434790"/>
-          </a:xfrm>
-          <a:prstGeom prst="rect">
-            <a:avLst/>
-          </a:prstGeom>
-        </p:spPr>
-        <p:txBody>
-          <a:bodyPr anchor="t" rtlCol="false" tIns="0" lIns="0" bIns="0" rIns="0">
-            <a:spAutoFit/>
-          </a:bodyPr>
-          <a:lstStyle/>
-          <a:p>
-            <a:pPr algn="ctr">
-              <a:lnSpc>
-                <a:spcPts val="3592"/>
-              </a:lnSpc>
-              <a:spcBef>
-                <a:spcPct val="0"/>
-              </a:spcBef>
-            </a:pPr>
-            <a:r>
-              <a:rPr lang="en-US" b="true" sz="2565">
-                <a:solidFill>
-                  <a:srgbClr val="000000"/>
-                </a:solidFill>
-                <a:latin typeface="Canva Sans Bold"/>
-                <a:ea typeface="Canva Sans Bold"/>
-                <a:cs typeface="Canva Sans Bold"/>
-                <a:sym typeface="Canva Sans Bold"/>
-              </a:rPr>
-              <a:t>W</a:t>
-            </a:r>
-          </a:p>
-        </p:txBody>
-      </p:sp>
-      <p:sp>
-        <p:nvSpPr>
-          <p:cNvPr name="TextBox 5" id="5"/>
-          <p:cNvSpPr txBox="true"/>
-          <p:nvPr/>
-        </p:nvSpPr>
-        <p:spPr>
-          <a:xfrm rot="0">
-            <a:off x="0" y="3955599"/>
-            <a:ext cx="17716445" cy="3224460"/>
-          </a:xfrm>
-          <a:prstGeom prst="rect">
-            <a:avLst/>
-          </a:prstGeom>
-        </p:spPr>
-        <p:txBody>
-          <a:bodyPr anchor="t" rtlCol="false" tIns="0" lIns="0" bIns="0" rIns="0">
-            <a:spAutoFit/>
-          </a:bodyPr>
-          <a:lstStyle/>
-          <a:p>
-            <a:pPr algn="l" marL="794025" indent="-397013" lvl="1">
-              <a:lnSpc>
-                <a:spcPts val="5148"/>
-              </a:lnSpc>
-              <a:buFont typeface="Arial"/>
-              <a:buChar char="•"/>
-            </a:pPr>
-          </a:p>
-          <a:p>
-            <a:pPr algn="l" marL="794025" indent="-397013" lvl="1">
-              <a:lnSpc>
-                <a:spcPts val="5148"/>
-              </a:lnSpc>
-              <a:buFont typeface="Arial"/>
-              <a:buChar char="•"/>
-            </a:pPr>
-            <a:r>
-              <a:rPr lang="en-US" b="true" sz="3677">
-                <a:solidFill>
-                  <a:srgbClr val="000000"/>
-                </a:solidFill>
-                <a:latin typeface="Canva Sans Bold"/>
-                <a:ea typeface="Canva Sans Bold"/>
-                <a:cs typeface="Canva Sans Bold"/>
-                <a:sym typeface="Canva Sans Bold"/>
-              </a:rPr>
-              <a:t>E  </a:t>
-            </a:r>
-            <a:r>
-              <a:rPr lang="en-US" sz="3677">
-                <a:solidFill>
-                  <a:srgbClr val="000000"/>
-                </a:solidFill>
-                <a:latin typeface="Canva Sans"/>
-                <a:ea typeface="Canva Sans"/>
-                <a:cs typeface="Canva Sans"/>
-                <a:sym typeface="Canva Sans"/>
-              </a:rPr>
-              <a:t>- Open source full-text search and analytics engine. </a:t>
-            </a:r>
-          </a:p>
-          <a:p>
-            <a:pPr algn="l" marL="794025" indent="-397013" lvl="1">
-              <a:lnSpc>
-                <a:spcPts val="5148"/>
-              </a:lnSpc>
-              <a:buFont typeface="Arial"/>
-              <a:buChar char="•"/>
-            </a:pPr>
-            <a:r>
-              <a:rPr lang="en-US" b="true" sz="3677">
-                <a:solidFill>
-                  <a:srgbClr val="000000"/>
-                </a:solidFill>
-                <a:latin typeface="Canva Sans Bold"/>
-                <a:ea typeface="Canva Sans Bold"/>
-                <a:cs typeface="Canva Sans Bold"/>
-                <a:sym typeface="Canva Sans Bold"/>
-              </a:rPr>
-              <a:t>L</a:t>
-            </a:r>
-            <a:r>
-              <a:rPr lang="en-US" sz="3677">
-                <a:solidFill>
-                  <a:srgbClr val="000000"/>
-                </a:solidFill>
-                <a:latin typeface="Canva Sans"/>
-                <a:ea typeface="Canva Sans"/>
-                <a:cs typeface="Canva Sans"/>
-                <a:sym typeface="Canva Sans"/>
-              </a:rPr>
-              <a:t> - Used for server-side data processing pipeline for Elasticsearch.</a:t>
-            </a:r>
-          </a:p>
-          <a:p>
-            <a:pPr algn="l" marL="794025" indent="-397013" lvl="1">
-              <a:lnSpc>
-                <a:spcPts val="5148"/>
-              </a:lnSpc>
-              <a:buFont typeface="Arial"/>
-              <a:buChar char="•"/>
-            </a:pPr>
-            <a:r>
-              <a:rPr lang="en-US" b="true" sz="3677">
-                <a:solidFill>
-                  <a:srgbClr val="000000"/>
-                </a:solidFill>
-                <a:latin typeface="Canva Sans Bold"/>
-                <a:ea typeface="Canva Sans Bold"/>
-                <a:cs typeface="Canva Sans Bold"/>
-                <a:sym typeface="Canva Sans Bold"/>
-              </a:rPr>
-              <a:t>K </a:t>
-            </a:r>
-            <a:r>
-              <a:rPr lang="en-US" sz="3677">
-                <a:solidFill>
-                  <a:srgbClr val="000000"/>
-                </a:solidFill>
-                <a:latin typeface="Canva Sans"/>
-                <a:ea typeface="Canva Sans"/>
-                <a:cs typeface="Canva Sans"/>
-                <a:sym typeface="Canva Sans"/>
-              </a:rPr>
-              <a:t>- Open source browser based visualization tool, mainly used to analyze large volume log files.</a:t>
-            </a:r>
-          </a:p>
-        </p:txBody>
-      </p:sp>
-    </p:spTree>
-  </p:cSld>
-  <p:clrMapOvr>
-    <a:masterClrMapping/>
-  </p:clrMapOvr>
-</p:sld>
-</file>
-
-<file path=ppt/slides/slide3.xml><?xml version="1.0" encoding="utf-8"?>
-<p:sld xmlns:p="http://schemas.openxmlformats.org/presentationml/2006/main" xmlns:a="http://schemas.openxmlformats.org/drawingml/2006/main" xmlns:r="http://schemas.openxmlformats.org/officeDocument/2006/relationships">
-  <p:cSld>
-    <p:spTree>
-      <p:nvGrpSpPr>
-        <p:cNvPr id="1" name=""/>
-        <p:cNvGrpSpPr/>
-        <p:nvPr/>
-      </p:nvGrpSpPr>
-      <p:grpSpPr>
-        <a:xfrm>
-          <a:off x="0" y="0"/>
-          <a:ext cx="0" cy="0"/>
-          <a:chOff x="0" y="0"/>
-          <a:chExt cx="0" cy="0"/>
-        </a:xfrm>
-      </p:grpSpPr>
-      <p:sp>
-        <p:nvSpPr>
-          <p:cNvPr name="Freeform 2" id="2"/>
-          <p:cNvSpPr/>
-          <p:nvPr/>
-        </p:nvSpPr>
-        <p:spPr>
-          <a:xfrm flipH="false" flipV="false" rot="0">
-            <a:off x="286034" y="2001987"/>
-            <a:ext cx="17715931" cy="3902295"/>
-          </a:xfrm>
-          <a:custGeom>
-            <a:avLst/>
-            <a:gdLst/>
-            <a:ahLst/>
-            <a:cxnLst/>
-            <a:rect r="r" b="b" t="t" l="l"/>
-            <a:pathLst>
-              <a:path h="3902295" w="17715931">
-                <a:moveTo>
-                  <a:pt x="0" y="0"/>
-                </a:moveTo>
-                <a:lnTo>
-                  <a:pt x="17715932" y="0"/>
-                </a:lnTo>
-                <a:lnTo>
-                  <a:pt x="17715932" y="3902296"/>
-                </a:lnTo>
-                <a:lnTo>
-                  <a:pt x="0" y="3902296"/>
-                </a:lnTo>
-                <a:lnTo>
-                  <a:pt x="0" y="0"/>
-                </a:lnTo>
-                <a:close/>
-              </a:path>
-            </a:pathLst>
-          </a:custGeom>
-          <a:blipFill>
-            <a:blip r:embed="rId2"/>
-            <a:stretch>
-              <a:fillRect l="-1000" t="-2255" r="0" b="-60"/>
-            </a:stretch>
-          </a:blipFill>
-        </p:spPr>
-      </p:sp>
-      <p:sp>
-        <p:nvSpPr>
-          <p:cNvPr name="TextBox 3" id="3"/>
-          <p:cNvSpPr txBox="true"/>
-          <p:nvPr/>
-        </p:nvSpPr>
-        <p:spPr>
-          <a:xfrm rot="0">
-            <a:off x="202532" y="456482"/>
-            <a:ext cx="12790329" cy="1053632"/>
-          </a:xfrm>
-          <a:prstGeom prst="rect">
-            <a:avLst/>
-          </a:prstGeom>
-        </p:spPr>
-        <p:txBody>
-          <a:bodyPr anchor="t" rtlCol="false" tIns="0" lIns="0" bIns="0" rIns="0">
-            <a:spAutoFit/>
-          </a:bodyPr>
-          <a:lstStyle/>
-          <a:p>
-            <a:pPr algn="l">
-              <a:lnSpc>
-                <a:spcPts val="8600"/>
-              </a:lnSpc>
-            </a:pPr>
-            <a:r>
-              <a:rPr lang="en-US" sz="6143" b="true">
-                <a:solidFill>
-                  <a:srgbClr val="000000"/>
-                </a:solidFill>
-                <a:latin typeface="Canva Sans Bold"/>
-                <a:ea typeface="Canva Sans Bold"/>
-                <a:cs typeface="Canva Sans Bold"/>
-                <a:sym typeface="Canva Sans Bold"/>
-              </a:rPr>
-              <a:t>Logstash</a:t>
-            </a:r>
-          </a:p>
-        </p:txBody>
-      </p:sp>
-      <p:sp>
-        <p:nvSpPr>
-          <p:cNvPr name="TextBox 4" id="4"/>
-          <p:cNvSpPr txBox="true"/>
-          <p:nvPr/>
-        </p:nvSpPr>
-        <p:spPr>
-          <a:xfrm rot="0">
-            <a:off x="202532" y="6956878"/>
-            <a:ext cx="17715931" cy="1925888"/>
-          </a:xfrm>
-          <a:prstGeom prst="rect">
-            <a:avLst/>
-          </a:prstGeom>
-        </p:spPr>
-        <p:txBody>
-          <a:bodyPr anchor="t" rtlCol="false" tIns="0" lIns="0" bIns="0" rIns="0">
-            <a:spAutoFit/>
-          </a:bodyPr>
-          <a:lstStyle/>
-          <a:p>
-            <a:pPr algn="l" marL="794002" indent="-397001" lvl="1">
-              <a:lnSpc>
-                <a:spcPts val="5148"/>
-              </a:lnSpc>
-              <a:buFont typeface="Arial"/>
-              <a:buChar char="•"/>
-            </a:pPr>
-            <a:r>
-              <a:rPr lang="en-US" b="true" sz="3677">
-                <a:solidFill>
-                  <a:srgbClr val="000000"/>
-                </a:solidFill>
-                <a:latin typeface="Canva Sans Bold"/>
-                <a:ea typeface="Canva Sans Bold"/>
-                <a:cs typeface="Canva Sans Bold"/>
-                <a:sym typeface="Canva Sans Bold"/>
-              </a:rPr>
-              <a:t>Input </a:t>
-            </a:r>
-            <a:r>
-              <a:rPr lang="en-US" sz="3677">
-                <a:solidFill>
-                  <a:srgbClr val="000000"/>
-                </a:solidFill>
-                <a:latin typeface="Canva Sans"/>
-                <a:ea typeface="Canva Sans"/>
-                <a:cs typeface="Canva Sans"/>
-                <a:sym typeface="Canva Sans"/>
-              </a:rPr>
-              <a:t>: Passing logs to process them into machine understandable format.</a:t>
-            </a:r>
-          </a:p>
-          <a:p>
-            <a:pPr algn="l" marL="794002" indent="-397001" lvl="1">
-              <a:lnSpc>
-                <a:spcPts val="5148"/>
-              </a:lnSpc>
-              <a:buFont typeface="Arial"/>
-              <a:buChar char="•"/>
-            </a:pPr>
-            <a:r>
-              <a:rPr lang="en-US" b="true" sz="3677">
-                <a:solidFill>
-                  <a:srgbClr val="000000"/>
-                </a:solidFill>
-                <a:latin typeface="Canva Sans Bold"/>
-                <a:ea typeface="Canva Sans Bold"/>
-                <a:cs typeface="Canva Sans Bold"/>
-                <a:sym typeface="Canva Sans Bold"/>
-              </a:rPr>
-              <a:t>Filters</a:t>
-            </a:r>
-            <a:r>
-              <a:rPr lang="en-US" sz="3677">
-                <a:solidFill>
-                  <a:srgbClr val="000000"/>
-                </a:solidFill>
-                <a:latin typeface="Canva Sans"/>
-                <a:ea typeface="Canva Sans"/>
-                <a:cs typeface="Canva Sans"/>
-                <a:sym typeface="Canva Sans"/>
-              </a:rPr>
-              <a:t>: It is a set of conditions to perform a particular action or event</a:t>
-            </a:r>
-          </a:p>
-          <a:p>
-            <a:pPr algn="l" marL="794002" indent="-397001" lvl="1">
-              <a:lnSpc>
-                <a:spcPts val="5148"/>
-              </a:lnSpc>
-              <a:buFont typeface="Arial"/>
-              <a:buChar char="•"/>
-            </a:pPr>
-            <a:r>
-              <a:rPr lang="en-US" b="true" sz="3677">
-                <a:solidFill>
-                  <a:srgbClr val="000000"/>
-                </a:solidFill>
-                <a:latin typeface="Canva Sans Bold"/>
-                <a:ea typeface="Canva Sans Bold"/>
-                <a:cs typeface="Canva Sans Bold"/>
-                <a:sym typeface="Canva Sans Bold"/>
-              </a:rPr>
-              <a:t>Output</a:t>
-            </a:r>
-            <a:r>
-              <a:rPr lang="en-US" sz="3677">
-                <a:solidFill>
-                  <a:srgbClr val="000000"/>
-                </a:solidFill>
-                <a:latin typeface="Canva Sans"/>
-                <a:ea typeface="Canva Sans"/>
-                <a:cs typeface="Canva Sans"/>
-                <a:sym typeface="Canva Sans"/>
-              </a:rPr>
-              <a:t>: Decision maker for processed event or log</a:t>
-            </a:r>
-          </a:p>
-        </p:txBody>
-      </p:sp>
-    </p:spTree>
-  </p:cSld>
-  <p:clrMapOvr>
-    <a:masterClrMapping/>
-  </p:clrMapOvr>
-</p:sld>
-</file>
-
-<file path=ppt/slides/slide4.xml><?xml version="1.0" encoding="utf-8"?>
-<p:sld xmlns:p="http://schemas.openxmlformats.org/presentationml/2006/main" xmlns:a="http://schemas.openxmlformats.org/drawingml/2006/main" xmlns:r="http://schemas.openxmlformats.org/officeDocument/2006/relationships">
-  <p:cSld>
-    <p:spTree>
-      <p:nvGrpSpPr>
-        <p:cNvPr id="1" name=""/>
-        <p:cNvGrpSpPr/>
-        <p:nvPr/>
-      </p:nvGrpSpPr>
-      <p:grpSpPr>
-        <a:xfrm>
-          <a:off x="0" y="0"/>
-          <a:ext cx="0" cy="0"/>
-          <a:chOff x="0" y="0"/>
-          <a:chExt cx="0" cy="0"/>
-        </a:xfrm>
-      </p:grpSpPr>
-      <p:sp>
-        <p:nvSpPr>
-          <p:cNvPr name="Freeform 2" id="2"/>
-          <p:cNvSpPr/>
-          <p:nvPr/>
-        </p:nvSpPr>
-        <p:spPr>
-          <a:xfrm flipH="false" flipV="false" rot="0">
-            <a:off x="747938" y="2291478"/>
-            <a:ext cx="17022905" cy="6646408"/>
-          </a:xfrm>
-          <a:custGeom>
-            <a:avLst/>
-            <a:gdLst/>
-            <a:ahLst/>
-            <a:cxnLst/>
-            <a:rect r="r" b="b" t="t" l="l"/>
-            <a:pathLst>
-              <a:path h="6646408" w="17022905">
-                <a:moveTo>
-                  <a:pt x="0" y="0"/>
-                </a:moveTo>
-                <a:lnTo>
-                  <a:pt x="17022904" y="0"/>
-                </a:lnTo>
-                <a:lnTo>
-                  <a:pt x="17022904" y="6646408"/>
-                </a:lnTo>
-                <a:lnTo>
-                  <a:pt x="0" y="6646408"/>
-                </a:lnTo>
-                <a:lnTo>
-                  <a:pt x="0" y="0"/>
-                </a:lnTo>
-                <a:close/>
-              </a:path>
-            </a:pathLst>
-          </a:custGeom>
-          <a:blipFill>
-            <a:blip r:embed="rId2"/>
-            <a:stretch>
-              <a:fillRect l="0" t="-9388" r="0" b="-9388"/>
-            </a:stretch>
-          </a:blipFill>
-        </p:spPr>
-      </p:sp>
-      <p:sp>
-        <p:nvSpPr>
-          <p:cNvPr name="TextBox 3" id="3"/>
-          <p:cNvSpPr txBox="true"/>
-          <p:nvPr/>
-        </p:nvSpPr>
-        <p:spPr>
-          <a:xfrm rot="0">
-            <a:off x="1028700" y="914400"/>
-            <a:ext cx="12790329" cy="1011087"/>
-          </a:xfrm>
-          <a:prstGeom prst="rect">
-            <a:avLst/>
-          </a:prstGeom>
-        </p:spPr>
-        <p:txBody>
-          <a:bodyPr anchor="t" rtlCol="false" tIns="0" lIns="0" bIns="0" rIns="0">
-            <a:spAutoFit/>
-          </a:bodyPr>
-          <a:lstStyle/>
-          <a:p>
-            <a:pPr algn="l">
-              <a:lnSpc>
-                <a:spcPts val="8320"/>
-              </a:lnSpc>
-            </a:pPr>
-            <a:r>
-              <a:rPr lang="en-US" sz="5943" b="true">
-                <a:solidFill>
-                  <a:srgbClr val="000000"/>
-                </a:solidFill>
-                <a:latin typeface="Canva Sans Bold"/>
-                <a:ea typeface="Canva Sans Bold"/>
-                <a:cs typeface="Canva Sans Bold"/>
-                <a:sym typeface="Canva Sans Bold"/>
-              </a:rPr>
-              <a:t>Dashboards</a:t>
-            </a:r>
-          </a:p>
-        </p:txBody>
-      </p:sp>
-    </p:spTree>
-  </p:cSld>
-  <p:clrMapOvr>
-    <a:masterClrMapping/>
-  </p:clrMapOvr>
-</p:sld>
-</file>
-
-<file path=ppt/slides/slide5.xml><?xml version="1.0" encoding="utf-8"?>
-<p:sld xmlns:p="http://schemas.openxmlformats.org/presentationml/2006/main" xmlns:a="http://schemas.openxmlformats.org/drawingml/2006/main" xmlns:r="http://schemas.openxmlformats.org/officeDocument/2006/relationships">
-  <p:cSld>
-    <p:spTree>
-      <p:nvGrpSpPr>
-        <p:cNvPr id="1" name=""/>
-        <p:cNvGrpSpPr/>
-        <p:nvPr/>
-      </p:nvGrpSpPr>
-      <p:grpSpPr>
-        <a:xfrm>
-          <a:off x="0" y="0"/>
-          <a:ext cx="0" cy="0"/>
-          <a:chOff x="0" y="0"/>
-          <a:chExt cx="0" cy="0"/>
-        </a:xfrm>
-      </p:grpSpPr>
-      <p:sp>
-        <p:nvSpPr>
-          <p:cNvPr name="Freeform 2" id="2"/>
-          <p:cNvSpPr/>
-          <p:nvPr/>
-        </p:nvSpPr>
-        <p:spPr>
-          <a:xfrm flipH="false" flipV="false" rot="0">
-            <a:off x="1028700" y="2290765"/>
-            <a:ext cx="16511362" cy="6967535"/>
-          </a:xfrm>
-          <a:custGeom>
-            <a:avLst/>
-            <a:gdLst/>
-            <a:ahLst/>
-            <a:cxnLst/>
-            <a:rect r="r" b="b" t="t" l="l"/>
-            <a:pathLst>
-              <a:path h="6967535" w="16511362">
-                <a:moveTo>
-                  <a:pt x="0" y="0"/>
-                </a:moveTo>
-                <a:lnTo>
-                  <a:pt x="16511362" y="0"/>
-                </a:lnTo>
-                <a:lnTo>
-                  <a:pt x="16511362" y="6967535"/>
-                </a:lnTo>
-                <a:lnTo>
-                  <a:pt x="0" y="6967535"/>
-                </a:lnTo>
-                <a:lnTo>
-                  <a:pt x="0" y="0"/>
-                </a:lnTo>
-                <a:close/>
-              </a:path>
-            </a:pathLst>
-          </a:custGeom>
-          <a:blipFill>
-            <a:blip r:embed="rId2"/>
-            <a:stretch>
-              <a:fillRect l="-300" t="-9067" r="-300" b="0"/>
-            </a:stretch>
-          </a:blipFill>
-        </p:spPr>
-      </p:sp>
-      <p:sp>
-        <p:nvSpPr>
-          <p:cNvPr name="TextBox 3" id="3"/>
-          <p:cNvSpPr txBox="true"/>
-          <p:nvPr/>
-        </p:nvSpPr>
-        <p:spPr>
-          <a:xfrm rot="0">
-            <a:off x="1028700" y="914400"/>
-            <a:ext cx="12790329" cy="1011087"/>
-          </a:xfrm>
-          <a:prstGeom prst="rect">
-            <a:avLst/>
-          </a:prstGeom>
-        </p:spPr>
-        <p:txBody>
-          <a:bodyPr anchor="t" rtlCol="false" tIns="0" lIns="0" bIns="0" rIns="0">
-            <a:spAutoFit/>
-          </a:bodyPr>
-          <a:lstStyle/>
-          <a:p>
-            <a:pPr algn="l">
-              <a:lnSpc>
-                <a:spcPts val="8320"/>
-              </a:lnSpc>
-            </a:pPr>
-            <a:r>
-              <a:rPr lang="en-US" sz="5943" b="true">
-                <a:solidFill>
-                  <a:srgbClr val="000000"/>
-                </a:solidFill>
-                <a:latin typeface="Canva Sans Bold"/>
-                <a:ea typeface="Canva Sans Bold"/>
-                <a:cs typeface="Canva Sans Bold"/>
-                <a:sym typeface="Canva Sans Bold"/>
-              </a:rPr>
-              <a:t>Pie Chart Visualization</a:t>
-            </a:r>
-          </a:p>
-        </p:txBody>
-      </p:sp>
-    </p:spTree>
-  </p:cSld>
-  <p:clrMapOvr>
-    <a:masterClrMapping/>
-  </p:clrMapOvr>
-</p:sld>
-</file>
-
-<file path=ppt/slides/slide6.xml><?xml version="1.0" encoding="utf-8"?>
-<p:sld xmlns:p="http://schemas.openxmlformats.org/presentationml/2006/main" xmlns:a="http://schemas.openxmlformats.org/drawingml/2006/main" xmlns:r="http://schemas.openxmlformats.org/officeDocument/2006/relationships">
-  <p:cSld>
-    <p:spTree>
-      <p:nvGrpSpPr>
-        <p:cNvPr id="1" name=""/>
-        <p:cNvGrpSpPr/>
-        <p:nvPr/>
-      </p:nvGrpSpPr>
-      <p:grpSpPr>
-        <a:xfrm>
-          <a:off x="0" y="0"/>
-          <a:ext cx="0" cy="0"/>
-          <a:chOff x="0" y="0"/>
-          <a:chExt cx="0" cy="0"/>
-        </a:xfrm>
-      </p:grpSpPr>
-      <p:sp>
-        <p:nvSpPr>
-          <p:cNvPr name="TextBox 2" id="2"/>
-          <p:cNvSpPr txBox="true"/>
-          <p:nvPr/>
-        </p:nvSpPr>
-        <p:spPr>
-          <a:xfrm rot="0">
-            <a:off x="11083679" y="5157104"/>
-            <a:ext cx="304575" cy="434790"/>
-          </a:xfrm>
-          <a:prstGeom prst="rect">
-            <a:avLst/>
-          </a:prstGeom>
-        </p:spPr>
-        <p:txBody>
-          <a:bodyPr anchor="t" rtlCol="false" tIns="0" lIns="0" bIns="0" rIns="0">
-            <a:spAutoFit/>
-          </a:bodyPr>
-          <a:lstStyle/>
-          <a:p>
-            <a:pPr algn="ctr">
-              <a:lnSpc>
-                <a:spcPts val="3592"/>
-              </a:lnSpc>
-              <a:spcBef>
-                <a:spcPct val="0"/>
-              </a:spcBef>
-            </a:pPr>
-            <a:r>
-              <a:rPr lang="en-US" b="true" sz="2565">
-                <a:solidFill>
-                  <a:srgbClr val="000000"/>
-                </a:solidFill>
-                <a:latin typeface="Canva Sans Bold"/>
-                <a:ea typeface="Canva Sans Bold"/>
-                <a:cs typeface="Canva Sans Bold"/>
-                <a:sym typeface="Canva Sans Bold"/>
-              </a:rPr>
-              <a:t>W</a:t>
-            </a:r>
-          </a:p>
-        </p:txBody>
-      </p:sp>
-      <p:sp>
-        <p:nvSpPr>
-          <p:cNvPr name="TextBox 3" id="3"/>
-          <p:cNvSpPr txBox="true"/>
-          <p:nvPr/>
-        </p:nvSpPr>
-        <p:spPr>
-          <a:xfrm rot="0">
-            <a:off x="0" y="7332415"/>
-            <a:ext cx="17716445" cy="1925885"/>
-          </a:xfrm>
-          <a:prstGeom prst="rect">
-            <a:avLst/>
-          </a:prstGeom>
-        </p:spPr>
-        <p:txBody>
-          <a:bodyPr anchor="t" rtlCol="false" tIns="0" lIns="0" bIns="0" rIns="0">
-            <a:spAutoFit/>
-          </a:bodyPr>
-          <a:lstStyle/>
-          <a:p>
-            <a:pPr algn="l" marL="794025" indent="-397013" lvl="1">
-              <a:lnSpc>
-                <a:spcPts val="5148"/>
-              </a:lnSpc>
-              <a:buFont typeface="Arial"/>
-              <a:buChar char="•"/>
-            </a:pPr>
-            <a:r>
-              <a:rPr lang="en-US" b="true" sz="3677">
-                <a:solidFill>
-                  <a:srgbClr val="000000"/>
-                </a:solidFill>
-                <a:latin typeface="Canva Sans Bold"/>
-                <a:ea typeface="Canva Sans Bold"/>
-                <a:cs typeface="Canva Sans Bold"/>
-                <a:sym typeface="Canva Sans Bold"/>
-              </a:rPr>
-              <a:t>Range Queries</a:t>
-            </a:r>
-            <a:r>
-              <a:rPr lang="en-US" sz="3677">
-                <a:solidFill>
-                  <a:srgbClr val="000000"/>
-                </a:solidFill>
-                <a:latin typeface="Canva Sans"/>
-                <a:ea typeface="Canva Sans"/>
-                <a:cs typeface="Canva Sans"/>
-                <a:sym typeface="Canva Sans"/>
-              </a:rPr>
-              <a:t>: Useful to filter data from a specific period.</a:t>
-            </a:r>
-          </a:p>
-          <a:p>
-            <a:pPr algn="l" marL="794025" indent="-397013" lvl="1">
-              <a:lnSpc>
-                <a:spcPts val="5148"/>
-              </a:lnSpc>
-              <a:buFont typeface="Arial"/>
-              <a:buChar char="•"/>
-            </a:pPr>
-            <a:r>
-              <a:rPr lang="en-US" b="true" sz="3677">
-                <a:solidFill>
-                  <a:srgbClr val="000000"/>
-                </a:solidFill>
-                <a:latin typeface="Canva Sans Bold"/>
-                <a:ea typeface="Canva Sans Bold"/>
-                <a:cs typeface="Canva Sans Bold"/>
-                <a:sym typeface="Canva Sans Bold"/>
-              </a:rPr>
-              <a:t>Term Queries:</a:t>
-            </a:r>
-            <a:r>
-              <a:rPr lang="en-US" sz="3677">
-                <a:solidFill>
-                  <a:srgbClr val="000000"/>
-                </a:solidFill>
-                <a:latin typeface="Canva Sans"/>
-                <a:ea typeface="Canva Sans"/>
-                <a:cs typeface="Canva Sans"/>
-                <a:sym typeface="Canva Sans"/>
-              </a:rPr>
-              <a:t> Useful for an exact match.</a:t>
-            </a:r>
-          </a:p>
-          <a:p>
-            <a:pPr algn="l" marL="794025" indent="-397013" lvl="1">
-              <a:lnSpc>
-                <a:spcPts val="5148"/>
-              </a:lnSpc>
-              <a:buFont typeface="Arial"/>
-              <a:buChar char="•"/>
-            </a:pPr>
-            <a:r>
-              <a:rPr lang="en-US" b="true" sz="3677">
-                <a:solidFill>
-                  <a:srgbClr val="000000"/>
-                </a:solidFill>
-                <a:latin typeface="Canva Sans Bold"/>
-                <a:ea typeface="Canva Sans Bold"/>
-                <a:cs typeface="Canva Sans Bold"/>
-                <a:sym typeface="Canva Sans Bold"/>
-              </a:rPr>
-              <a:t>Match Queries</a:t>
-            </a:r>
-            <a:r>
-              <a:rPr lang="en-US" sz="3677">
-                <a:solidFill>
-                  <a:srgbClr val="000000"/>
-                </a:solidFill>
-                <a:latin typeface="Canva Sans"/>
-                <a:ea typeface="Canva Sans"/>
-                <a:cs typeface="Canva Sans"/>
-                <a:sym typeface="Canva Sans"/>
-              </a:rPr>
-              <a:t>: More flexible and useful for broader and targeted result.</a:t>
-            </a:r>
-          </a:p>
-        </p:txBody>
-      </p:sp>
-      <p:sp>
-        <p:nvSpPr>
-          <p:cNvPr name="Freeform 4" id="4"/>
-          <p:cNvSpPr/>
-          <p:nvPr/>
-        </p:nvSpPr>
-        <p:spPr>
-          <a:xfrm flipH="false" flipV="false" rot="0">
-            <a:off x="2737370" y="1771767"/>
-            <a:ext cx="10503905" cy="5332649"/>
-          </a:xfrm>
-          <a:custGeom>
-            <a:avLst/>
-            <a:gdLst/>
-            <a:ahLst/>
-            <a:cxnLst/>
-            <a:rect r="r" b="b" t="t" l="l"/>
-            <a:pathLst>
-              <a:path h="5332649" w="10503905">
-                <a:moveTo>
-                  <a:pt x="0" y="0"/>
-                </a:moveTo>
-                <a:lnTo>
-                  <a:pt x="10503905" y="0"/>
-                </a:lnTo>
-                <a:lnTo>
-                  <a:pt x="10503905" y="5332649"/>
-                </a:lnTo>
-                <a:lnTo>
-                  <a:pt x="0" y="5332649"/>
-                </a:lnTo>
-                <a:lnTo>
-                  <a:pt x="0" y="0"/>
-                </a:lnTo>
-                <a:close/>
-              </a:path>
-            </a:pathLst>
-          </a:custGeom>
-          <a:blipFill>
-            <a:blip r:embed="rId2"/>
-            <a:stretch>
-              <a:fillRect l="0" t="0" r="-2451" b="0"/>
-            </a:stretch>
-          </a:blipFill>
-        </p:spPr>
-      </p:sp>
-      <p:sp>
-        <p:nvSpPr>
-          <p:cNvPr name="TextBox 5" id="5"/>
-          <p:cNvSpPr txBox="true"/>
-          <p:nvPr/>
-        </p:nvSpPr>
-        <p:spPr>
-          <a:xfrm rot="0">
-            <a:off x="202532" y="466007"/>
-            <a:ext cx="12790329" cy="1011087"/>
-          </a:xfrm>
-          <a:prstGeom prst="rect">
-            <a:avLst/>
-          </a:prstGeom>
-        </p:spPr>
-        <p:txBody>
-          <a:bodyPr anchor="t" rtlCol="false" tIns="0" lIns="0" bIns="0" rIns="0">
-            <a:spAutoFit/>
-          </a:bodyPr>
-          <a:lstStyle/>
-          <a:p>
-            <a:pPr algn="l">
-              <a:lnSpc>
-                <a:spcPts val="8320"/>
-              </a:lnSpc>
-            </a:pPr>
-            <a:r>
-              <a:rPr lang="en-US" sz="5943" b="true">
-                <a:solidFill>
-                  <a:srgbClr val="000000"/>
-                </a:solidFill>
-                <a:latin typeface="Canva Sans Bold"/>
-                <a:ea typeface="Canva Sans Bold"/>
-                <a:cs typeface="Canva Sans Bold"/>
-                <a:sym typeface="Canva Sans Bold"/>
-              </a:rPr>
-              <a:t>Querying in DSL</a:t>
-            </a:r>
-          </a:p>
-        </p:txBody>
-      </p:sp>
-    </p:spTree>
-  </p:cSld>
-  <p:clrMapOvr>
-    <a:masterClrMapping/>
-  </p:clrMapOvr>
-</p:sld>
-</file>
-
-<file path=ppt/slides/slide7.xml><?xml version="1.0" encoding="utf-8"?>
-<p:sld xmlns:p="http://schemas.openxmlformats.org/presentationml/2006/main" xmlns:a="http://schemas.openxmlformats.org/drawingml/2006/main">
-  <p:cSld>
-    <p:spTree>
-      <p:nvGrpSpPr>
-        <p:cNvPr id="1" name=""/>
-        <p:cNvGrpSpPr/>
-        <p:nvPr/>
-      </p:nvGrpSpPr>
-      <p:grpSpPr>
-        <a:xfrm>
-          <a:off x="0" y="0"/>
-          <a:ext cx="0" cy="0"/>
-          <a:chOff x="0" y="0"/>
-          <a:chExt cx="0" cy="0"/>
-        </a:xfrm>
-      </p:grpSpPr>
-      <p:sp>
-        <p:nvSpPr>
-          <p:cNvPr name="TextBox 2" id="2"/>
-          <p:cNvSpPr txBox="true"/>
-          <p:nvPr/>
-        </p:nvSpPr>
-        <p:spPr>
-          <a:xfrm rot="0">
-            <a:off x="202532" y="466007"/>
-            <a:ext cx="12790329" cy="1011087"/>
-          </a:xfrm>
-          <a:prstGeom prst="rect">
-            <a:avLst/>
-          </a:prstGeom>
-        </p:spPr>
-        <p:txBody>
-          <a:bodyPr anchor="t" rtlCol="false" tIns="0" lIns="0" bIns="0" rIns="0">
-            <a:spAutoFit/>
-          </a:bodyPr>
-          <a:lstStyle/>
-          <a:p>
-            <a:pPr algn="l">
-              <a:lnSpc>
-                <a:spcPts val="8320"/>
-              </a:lnSpc>
-            </a:pPr>
-            <a:r>
-              <a:rPr lang="en-US" sz="5943" b="true">
-                <a:solidFill>
-                  <a:srgbClr val="000000"/>
-                </a:solidFill>
-                <a:latin typeface="Canva Sans Bold"/>
-                <a:ea typeface="Canva Sans Bold"/>
-                <a:cs typeface="Canva Sans Bold"/>
-                <a:sym typeface="Canva Sans Bold"/>
-              </a:rPr>
-              <a:t>Boolean Queries</a:t>
-            </a:r>
-          </a:p>
-        </p:txBody>
-      </p:sp>
-      <p:sp>
-        <p:nvSpPr>
-          <p:cNvPr name="TextBox 3" id="3"/>
-          <p:cNvSpPr txBox="true"/>
-          <p:nvPr/>
-        </p:nvSpPr>
-        <p:spPr>
-          <a:xfrm rot="0">
-            <a:off x="202532" y="1663392"/>
-            <a:ext cx="17817551" cy="1980114"/>
-          </a:xfrm>
-          <a:prstGeom prst="rect">
-            <a:avLst/>
-          </a:prstGeom>
-        </p:spPr>
-        <p:txBody>
-          <a:bodyPr anchor="t" rtlCol="false" tIns="0" lIns="0" bIns="0" rIns="0">
-            <a:spAutoFit/>
-          </a:bodyPr>
-          <a:lstStyle/>
-          <a:p>
-            <a:pPr algn="l">
-              <a:lnSpc>
-                <a:spcPts val="5309"/>
-              </a:lnSpc>
-            </a:pPr>
-            <a:r>
-              <a:rPr lang="en-US" sz="3792">
-                <a:solidFill>
-                  <a:srgbClr val="000000"/>
-                </a:solidFill>
-                <a:latin typeface="Canva Sans"/>
-                <a:ea typeface="Canva Sans"/>
-                <a:cs typeface="Canva Sans"/>
-                <a:sym typeface="Canva Sans"/>
-              </a:rPr>
-              <a:t>Elasticsearch provides a powerful querying known as query DSL(domain specific language).</a:t>
-            </a:r>
-          </a:p>
-          <a:p>
-            <a:pPr algn="l">
-              <a:lnSpc>
-                <a:spcPts val="5309"/>
-              </a:lnSpc>
-              <a:spcBef>
-                <a:spcPct val="0"/>
-              </a:spcBef>
-            </a:pPr>
-          </a:p>
-        </p:txBody>
-      </p:sp>
-      <p:sp>
-        <p:nvSpPr>
-          <p:cNvPr name="TextBox 4" id="4"/>
-          <p:cNvSpPr txBox="true"/>
-          <p:nvPr/>
-        </p:nvSpPr>
-        <p:spPr>
-          <a:xfrm rot="0">
-            <a:off x="202532" y="3781968"/>
-            <a:ext cx="17817551" cy="5326564"/>
-          </a:xfrm>
-          <a:prstGeom prst="rect">
-            <a:avLst/>
-          </a:prstGeom>
-        </p:spPr>
-        <p:txBody>
-          <a:bodyPr anchor="t" rtlCol="false" tIns="0" lIns="0" bIns="0" rIns="0">
-            <a:spAutoFit/>
-          </a:bodyPr>
-          <a:lstStyle/>
-          <a:p>
-            <a:pPr algn="l" marL="818858" indent="-409429" lvl="1">
-              <a:lnSpc>
-                <a:spcPts val="5309"/>
-              </a:lnSpc>
-              <a:buFont typeface="Arial"/>
-              <a:buChar char="•"/>
-            </a:pPr>
-            <a:r>
-              <a:rPr lang="en-US" sz="3792">
-                <a:solidFill>
-                  <a:srgbClr val="000000"/>
-                </a:solidFill>
-                <a:latin typeface="Canva Sans"/>
-                <a:ea typeface="Canva Sans"/>
-                <a:cs typeface="Canva Sans"/>
-                <a:sym typeface="Canva Sans"/>
-              </a:rPr>
-              <a:t>The </a:t>
-            </a:r>
-            <a:r>
-              <a:rPr lang="en-US" b="true" sz="3792">
-                <a:solidFill>
-                  <a:srgbClr val="000000"/>
-                </a:solidFill>
-                <a:latin typeface="Canva Sans Bold"/>
-                <a:ea typeface="Canva Sans Bold"/>
-                <a:cs typeface="Canva Sans Bold"/>
-                <a:sym typeface="Canva Sans Bold"/>
-              </a:rPr>
-              <a:t>must </a:t>
-            </a:r>
-            <a:r>
-              <a:rPr lang="en-US" sz="3792">
-                <a:solidFill>
-                  <a:srgbClr val="000000"/>
-                </a:solidFill>
-                <a:latin typeface="Canva Sans"/>
-                <a:ea typeface="Canva Sans"/>
-                <a:cs typeface="Canva Sans"/>
-                <a:sym typeface="Canva Sans"/>
-              </a:rPr>
-              <a:t>clause specifies conditions that must be met for a document to be considered a match.</a:t>
-            </a:r>
-          </a:p>
-          <a:p>
-            <a:pPr algn="l" marL="818858" indent="-409429" lvl="1">
-              <a:lnSpc>
-                <a:spcPts val="5309"/>
-              </a:lnSpc>
-              <a:buFont typeface="Arial"/>
-              <a:buChar char="•"/>
-            </a:pPr>
-            <a:r>
-              <a:rPr lang="en-US" sz="3792">
-                <a:solidFill>
-                  <a:srgbClr val="000000"/>
-                </a:solidFill>
-                <a:latin typeface="Canva Sans"/>
-                <a:ea typeface="Canva Sans"/>
-                <a:cs typeface="Canva Sans"/>
-                <a:sym typeface="Canva Sans"/>
-              </a:rPr>
-              <a:t>The</a:t>
-            </a:r>
-            <a:r>
-              <a:rPr lang="en-US" b="true" sz="3792">
-                <a:solidFill>
-                  <a:srgbClr val="000000"/>
-                </a:solidFill>
-                <a:latin typeface="Canva Sans Bold"/>
-                <a:ea typeface="Canva Sans Bold"/>
-                <a:cs typeface="Canva Sans Bold"/>
-                <a:sym typeface="Canva Sans Bold"/>
-              </a:rPr>
-              <a:t> must_not</a:t>
-            </a:r>
-            <a:r>
-              <a:rPr lang="en-US" sz="3792">
-                <a:solidFill>
-                  <a:srgbClr val="000000"/>
-                </a:solidFill>
-                <a:latin typeface="Canva Sans"/>
-                <a:ea typeface="Canva Sans"/>
-                <a:cs typeface="Canva Sans"/>
-                <a:sym typeface="Canva Sans"/>
-              </a:rPr>
-              <a:t> clause excludes documents that match specific criteria,</a:t>
-            </a:r>
-          </a:p>
-          <a:p>
-            <a:pPr algn="l" marL="818858" indent="-409429" lvl="1">
-              <a:lnSpc>
-                <a:spcPts val="5309"/>
-              </a:lnSpc>
-              <a:buFont typeface="Arial"/>
-              <a:buChar char="•"/>
-            </a:pPr>
-            <a:r>
-              <a:rPr lang="en-US" sz="3792">
-                <a:solidFill>
-                  <a:srgbClr val="000000"/>
-                </a:solidFill>
-                <a:latin typeface="Canva Sans"/>
-                <a:ea typeface="Canva Sans"/>
-                <a:cs typeface="Canva Sans"/>
-                <a:sym typeface="Canva Sans"/>
-              </a:rPr>
-              <a:t>The </a:t>
-            </a:r>
-            <a:r>
-              <a:rPr lang="en-US" b="true" sz="3792">
-                <a:solidFill>
-                  <a:srgbClr val="000000"/>
-                </a:solidFill>
-                <a:latin typeface="Canva Sans Bold"/>
-                <a:ea typeface="Canva Sans Bold"/>
-                <a:cs typeface="Canva Sans Bold"/>
-                <a:sym typeface="Canva Sans Bold"/>
-              </a:rPr>
-              <a:t>should </a:t>
-            </a:r>
-            <a:r>
-              <a:rPr lang="en-US" sz="3792">
-                <a:solidFill>
-                  <a:srgbClr val="000000"/>
-                </a:solidFill>
-                <a:latin typeface="Canva Sans"/>
-                <a:ea typeface="Canva Sans"/>
-                <a:cs typeface="Canva Sans"/>
-                <a:sym typeface="Canva Sans"/>
-              </a:rPr>
-              <a:t>clause specifies additional conditions that are desirable, but not required for a document to be considered a match. if the document matches, it will contribute to the scoring</a:t>
-            </a:r>
-          </a:p>
-          <a:p>
-            <a:pPr algn="l" marL="818858" indent="-409429" lvl="1">
-              <a:lnSpc>
-                <a:spcPts val="5309"/>
-              </a:lnSpc>
-              <a:buFont typeface="Arial"/>
-              <a:buChar char="•"/>
-            </a:pPr>
-            <a:r>
-              <a:rPr lang="en-US" sz="3792">
-                <a:solidFill>
-                  <a:srgbClr val="000000"/>
-                </a:solidFill>
-                <a:latin typeface="Canva Sans"/>
-                <a:ea typeface="Canva Sans"/>
-                <a:cs typeface="Canva Sans"/>
-                <a:sym typeface="Canva Sans"/>
-              </a:rPr>
-              <a:t>The </a:t>
-            </a:r>
-            <a:r>
-              <a:rPr lang="en-US" b="true" sz="3792">
-                <a:solidFill>
-                  <a:srgbClr val="000000"/>
-                </a:solidFill>
-                <a:latin typeface="Canva Sans Bold"/>
-                <a:ea typeface="Canva Sans Bold"/>
-                <a:cs typeface="Canva Sans Bold"/>
-                <a:sym typeface="Canva Sans Bold"/>
-              </a:rPr>
-              <a:t>filter </a:t>
-            </a:r>
-            <a:r>
-              <a:rPr lang="en-US" sz="3792">
-                <a:solidFill>
-                  <a:srgbClr val="000000"/>
-                </a:solidFill>
-                <a:latin typeface="Canva Sans"/>
-                <a:ea typeface="Canva Sans"/>
-                <a:cs typeface="Canva Sans"/>
-                <a:sym typeface="Canva Sans"/>
-              </a:rPr>
-              <a:t>clause applies conditions that must be met but does not affect the relevant score of the documents.</a:t>
-            </a:r>
-          </a:p>
-        </p:txBody>
-      </p:sp>
-    </p:spTree>
-  </p:cSld>
-  <p:clrMapOvr>
-    <a:masterClrMapping/>
-  </p:clrMapOvr>
-</p:sld>
-</file>
-
-<file path=ppt/slides/slide8.xml><?xml version="1.0" encoding="utf-8"?>
-<p:sld xmlns:p="http://schemas.openxmlformats.org/presentationml/2006/main" xmlns:a="http://schemas.openxmlformats.org/drawingml/2006/main">
-  <p:cSld>
-    <p:spTree>
-      <p:nvGrpSpPr>
-        <p:cNvPr id="1" name=""/>
-        <p:cNvGrpSpPr/>
-        <p:nvPr/>
-      </p:nvGrpSpPr>
-      <p:grpSpPr>
-        <a:xfrm>
-          <a:off x="0" y="0"/>
-          <a:ext cx="0" cy="0"/>
-          <a:chOff x="0" y="0"/>
-          <a:chExt cx="0" cy="0"/>
-        </a:xfrm>
-      </p:grpSpPr>
-      <p:sp>
-        <p:nvSpPr>
-          <p:cNvPr name="TextBox 2" id="2"/>
-          <p:cNvSpPr txBox="true"/>
-          <p:nvPr/>
-        </p:nvSpPr>
-        <p:spPr>
-          <a:xfrm rot="0">
-            <a:off x="202532" y="466007"/>
-            <a:ext cx="12790329" cy="1011087"/>
-          </a:xfrm>
-          <a:prstGeom prst="rect">
-            <a:avLst/>
-          </a:prstGeom>
-        </p:spPr>
-        <p:txBody>
-          <a:bodyPr anchor="t" rtlCol="false" tIns="0" lIns="0" bIns="0" rIns="0">
-            <a:spAutoFit/>
-          </a:bodyPr>
-          <a:lstStyle/>
-          <a:p>
-            <a:pPr algn="l">
-              <a:lnSpc>
-                <a:spcPts val="8320"/>
-              </a:lnSpc>
-            </a:pPr>
-            <a:r>
-              <a:rPr lang="en-US" sz="5943" b="true">
-                <a:solidFill>
-                  <a:srgbClr val="000000"/>
-                </a:solidFill>
-                <a:latin typeface="Canva Sans Bold"/>
-                <a:ea typeface="Canva Sans Bold"/>
-                <a:cs typeface="Canva Sans Bold"/>
-                <a:sym typeface="Canva Sans Bold"/>
-              </a:rPr>
-              <a:t>Visualization in Kibana</a:t>
-            </a:r>
-          </a:p>
-        </p:txBody>
-      </p:sp>
-      <p:sp>
-        <p:nvSpPr>
-          <p:cNvPr name="TextBox 3" id="3"/>
-          <p:cNvSpPr txBox="true"/>
-          <p:nvPr/>
-        </p:nvSpPr>
-        <p:spPr>
-          <a:xfrm rot="0">
-            <a:off x="202532" y="1663392"/>
-            <a:ext cx="17817551" cy="1980114"/>
-          </a:xfrm>
-          <a:prstGeom prst="rect">
-            <a:avLst/>
-          </a:prstGeom>
-        </p:spPr>
-        <p:txBody>
-          <a:bodyPr anchor="t" rtlCol="false" tIns="0" lIns="0" bIns="0" rIns="0">
-            <a:spAutoFit/>
-          </a:bodyPr>
-          <a:lstStyle/>
-          <a:p>
-            <a:pPr algn="l">
-              <a:lnSpc>
-                <a:spcPts val="5309"/>
-              </a:lnSpc>
-            </a:pPr>
-            <a:r>
-              <a:rPr lang="en-US" sz="3792">
-                <a:solidFill>
-                  <a:srgbClr val="000000"/>
-                </a:solidFill>
-                <a:latin typeface="Canva Sans"/>
-                <a:ea typeface="Canva Sans"/>
-                <a:cs typeface="Canva Sans"/>
-                <a:sym typeface="Canva Sans"/>
-              </a:rPr>
-              <a:t>Elasticsearch provides a powerful querying known as query DSL(domain specific language).</a:t>
-            </a:r>
-          </a:p>
-          <a:p>
-            <a:pPr algn="l">
-              <a:lnSpc>
-                <a:spcPts val="5309"/>
-              </a:lnSpc>
-              <a:spcBef>
-                <a:spcPct val="0"/>
-              </a:spcBef>
-            </a:pPr>
-          </a:p>
-        </p:txBody>
-      </p:sp>
-      <p:sp>
-        <p:nvSpPr>
-          <p:cNvPr name="TextBox 4" id="4"/>
-          <p:cNvSpPr txBox="true"/>
-          <p:nvPr/>
-        </p:nvSpPr>
-        <p:spPr>
-          <a:xfrm rot="0">
-            <a:off x="202532" y="3781968"/>
-            <a:ext cx="17817551" cy="5326564"/>
-          </a:xfrm>
-          <a:prstGeom prst="rect">
-            <a:avLst/>
-          </a:prstGeom>
-        </p:spPr>
-        <p:txBody>
-          <a:bodyPr anchor="t" rtlCol="false" tIns="0" lIns="0" bIns="0" rIns="0">
-            <a:spAutoFit/>
-          </a:bodyPr>
-          <a:lstStyle/>
-          <a:p>
-            <a:pPr algn="l" marL="818858" indent="-409429" lvl="1">
-              <a:lnSpc>
-                <a:spcPts val="5309"/>
-              </a:lnSpc>
-              <a:buFont typeface="Arial"/>
-              <a:buChar char="•"/>
-            </a:pPr>
-            <a:r>
-              <a:rPr lang="en-US" sz="3792">
-                <a:solidFill>
-                  <a:srgbClr val="000000"/>
-                </a:solidFill>
-                <a:latin typeface="Canva Sans"/>
-                <a:ea typeface="Canva Sans"/>
-                <a:cs typeface="Canva Sans"/>
-                <a:sym typeface="Canva Sans"/>
-              </a:rPr>
-              <a:t>The </a:t>
-            </a:r>
-            <a:r>
-              <a:rPr lang="en-US" b="true" sz="3792">
-                <a:solidFill>
-                  <a:srgbClr val="000000"/>
-                </a:solidFill>
-                <a:latin typeface="Canva Sans Bold"/>
-                <a:ea typeface="Canva Sans Bold"/>
-                <a:cs typeface="Canva Sans Bold"/>
-                <a:sym typeface="Canva Sans Bold"/>
-              </a:rPr>
-              <a:t>must </a:t>
-            </a:r>
-            <a:r>
-              <a:rPr lang="en-US" sz="3792">
-                <a:solidFill>
-                  <a:srgbClr val="000000"/>
-                </a:solidFill>
-                <a:latin typeface="Canva Sans"/>
-                <a:ea typeface="Canva Sans"/>
-                <a:cs typeface="Canva Sans"/>
-                <a:sym typeface="Canva Sans"/>
-              </a:rPr>
-              <a:t>clause specifies conditions that must be met for a document to be considered a match.</a:t>
-            </a:r>
-          </a:p>
-          <a:p>
-            <a:pPr algn="l" marL="818858" indent="-409429" lvl="1">
-              <a:lnSpc>
-                <a:spcPts val="5309"/>
-              </a:lnSpc>
-              <a:buFont typeface="Arial"/>
-              <a:buChar char="•"/>
-            </a:pPr>
-            <a:r>
-              <a:rPr lang="en-US" sz="3792">
-                <a:solidFill>
-                  <a:srgbClr val="000000"/>
-                </a:solidFill>
-                <a:latin typeface="Canva Sans"/>
-                <a:ea typeface="Canva Sans"/>
-                <a:cs typeface="Canva Sans"/>
-                <a:sym typeface="Canva Sans"/>
-              </a:rPr>
-              <a:t>The</a:t>
-            </a:r>
-            <a:r>
-              <a:rPr lang="en-US" b="true" sz="3792">
-                <a:solidFill>
-                  <a:srgbClr val="000000"/>
-                </a:solidFill>
-                <a:latin typeface="Canva Sans Bold"/>
-                <a:ea typeface="Canva Sans Bold"/>
-                <a:cs typeface="Canva Sans Bold"/>
-                <a:sym typeface="Canva Sans Bold"/>
-              </a:rPr>
-              <a:t> must_not</a:t>
-            </a:r>
-            <a:r>
-              <a:rPr lang="en-US" sz="3792">
-                <a:solidFill>
-                  <a:srgbClr val="000000"/>
-                </a:solidFill>
-                <a:latin typeface="Canva Sans"/>
-                <a:ea typeface="Canva Sans"/>
-                <a:cs typeface="Canva Sans"/>
-                <a:sym typeface="Canva Sans"/>
-              </a:rPr>
-              <a:t> clause excludes documents that match specific criteria,</a:t>
-            </a:r>
-          </a:p>
-          <a:p>
-            <a:pPr algn="l" marL="818858" indent="-409429" lvl="1">
-              <a:lnSpc>
-                <a:spcPts val="5309"/>
-              </a:lnSpc>
-              <a:buFont typeface="Arial"/>
-              <a:buChar char="•"/>
-            </a:pPr>
-            <a:r>
-              <a:rPr lang="en-US" sz="3792">
-                <a:solidFill>
-                  <a:srgbClr val="000000"/>
-                </a:solidFill>
-                <a:latin typeface="Canva Sans"/>
-                <a:ea typeface="Canva Sans"/>
-                <a:cs typeface="Canva Sans"/>
-                <a:sym typeface="Canva Sans"/>
-              </a:rPr>
-              <a:t>The </a:t>
-            </a:r>
-            <a:r>
-              <a:rPr lang="en-US" b="true" sz="3792">
-                <a:solidFill>
-                  <a:srgbClr val="000000"/>
-                </a:solidFill>
-                <a:latin typeface="Canva Sans Bold"/>
-                <a:ea typeface="Canva Sans Bold"/>
-                <a:cs typeface="Canva Sans Bold"/>
-                <a:sym typeface="Canva Sans Bold"/>
-              </a:rPr>
-              <a:t>should </a:t>
-            </a:r>
-            <a:r>
-              <a:rPr lang="en-US" sz="3792">
-                <a:solidFill>
-                  <a:srgbClr val="000000"/>
-                </a:solidFill>
-                <a:latin typeface="Canva Sans"/>
-                <a:ea typeface="Canva Sans"/>
-                <a:cs typeface="Canva Sans"/>
-                <a:sym typeface="Canva Sans"/>
-              </a:rPr>
-              <a:t>clause specifies additional conditions that are desirable, but not required for a document to be considered a match. if the document matches, it will contribute to the scoring</a:t>
-            </a:r>
-          </a:p>
-          <a:p>
-            <a:pPr algn="l" marL="818858" indent="-409429" lvl="1">
-              <a:lnSpc>
-                <a:spcPts val="5309"/>
-              </a:lnSpc>
-              <a:buFont typeface="Arial"/>
-              <a:buChar char="•"/>
-            </a:pPr>
-            <a:r>
-              <a:rPr lang="en-US" sz="3792">
-                <a:solidFill>
-                  <a:srgbClr val="000000"/>
-                </a:solidFill>
-                <a:latin typeface="Canva Sans"/>
-                <a:ea typeface="Canva Sans"/>
-                <a:cs typeface="Canva Sans"/>
-                <a:sym typeface="Canva Sans"/>
-              </a:rPr>
-              <a:t>The </a:t>
-            </a:r>
-            <a:r>
-              <a:rPr lang="en-US" b="true" sz="3792">
-                <a:solidFill>
-                  <a:srgbClr val="000000"/>
-                </a:solidFill>
-                <a:latin typeface="Canva Sans Bold"/>
-                <a:ea typeface="Canva Sans Bold"/>
-                <a:cs typeface="Canva Sans Bold"/>
-                <a:sym typeface="Canva Sans Bold"/>
-              </a:rPr>
-              <a:t>filter </a:t>
-            </a:r>
-            <a:r>
-              <a:rPr lang="en-US" sz="3792">
-                <a:solidFill>
-                  <a:srgbClr val="000000"/>
-                </a:solidFill>
-                <a:latin typeface="Canva Sans"/>
-                <a:ea typeface="Canva Sans"/>
-                <a:cs typeface="Canva Sans"/>
-                <a:sym typeface="Canva Sans"/>
-              </a:rPr>
-              <a:t>clause applies conditions that must be met but does not affect the relevant score of the documents.</a:t>
-            </a:r>
-          </a:p>
-        </p:txBody>
-      </p:sp>
-    </p:spTree>
-  </p:cSld>
-  <p:clrMapOvr>
-    <a:masterClrMapping/>
-  </p:clrMapOvr>
-</p:sld>
-</file>
-
-<file path=ppt/slides/slide9.xml><?xml version="1.0" encoding="utf-8"?>
-<p:sld xmlns:p="http://schemas.openxmlformats.org/presentationml/2006/main" xmlns:a="http://schemas.openxmlformats.org/drawingml/2006/main" xmlns:r="http://schemas.openxmlformats.org/officeDocument/2006/relationships">
-  <p:cSld>
-    <p:spTree>
-      <p:nvGrpSpPr>
-        <p:cNvPr id="1" name=""/>
-        <p:cNvGrpSpPr/>
-        <p:nvPr/>
-      </p:nvGrpSpPr>
-      <p:grpSpPr>
-        <a:xfrm>
-          <a:off x="0" y="0"/>
-          <a:ext cx="0" cy="0"/>
-          <a:chOff x="0" y="0"/>
-          <a:chExt cx="0" cy="0"/>
-        </a:xfrm>
-      </p:grpSpPr>
-      <p:sp>
-        <p:nvSpPr>
-          <p:cNvPr name="Freeform 2" id="2"/>
-          <p:cNvSpPr/>
-          <p:nvPr/>
-        </p:nvSpPr>
-        <p:spPr>
-          <a:xfrm flipH="false" flipV="false" rot="0">
-            <a:off x="202532" y="1742182"/>
-            <a:ext cx="17726860" cy="8154356"/>
-          </a:xfrm>
-          <a:custGeom>
-            <a:avLst/>
-            <a:gdLst/>
-            <a:ahLst/>
-            <a:cxnLst/>
-            <a:rect r="r" b="b" t="t" l="l"/>
-            <a:pathLst>
-              <a:path h="8154356" w="17726860">
-                <a:moveTo>
-                  <a:pt x="0" y="0"/>
-                </a:moveTo>
-                <a:lnTo>
-                  <a:pt x="17726860" y="0"/>
-                </a:lnTo>
-                <a:lnTo>
-                  <a:pt x="17726860" y="8154355"/>
-                </a:lnTo>
-                <a:lnTo>
-                  <a:pt x="0" y="8154355"/>
-                </a:lnTo>
-                <a:lnTo>
-                  <a:pt x="0" y="0"/>
-                </a:lnTo>
-                <a:close/>
-              </a:path>
-            </a:pathLst>
-          </a:custGeom>
-          <a:blipFill>
-            <a:blip r:embed="rId2"/>
-            <a:stretch>
-              <a:fillRect l="0" t="0" r="0" b="0"/>
-            </a:stretch>
-          </a:blipFill>
-        </p:spPr>
-      </p:sp>
-      <p:sp>
-        <p:nvSpPr>
-          <p:cNvPr name="TextBox 3" id="3"/>
-          <p:cNvSpPr txBox="true"/>
-          <p:nvPr/>
-        </p:nvSpPr>
-        <p:spPr>
-          <a:xfrm rot="0">
-            <a:off x="202532" y="485057"/>
-            <a:ext cx="17056768" cy="862011"/>
-          </a:xfrm>
-          <a:prstGeom prst="rect">
-            <a:avLst/>
-          </a:prstGeom>
-        </p:spPr>
-        <p:txBody>
-          <a:bodyPr anchor="t" rtlCol="false" tIns="0" lIns="0" bIns="0" rIns="0">
-            <a:spAutoFit/>
-          </a:bodyPr>
-          <a:lstStyle/>
-          <a:p>
-            <a:pPr algn="l">
-              <a:lnSpc>
-                <a:spcPts val="7087"/>
-              </a:lnSpc>
-            </a:pPr>
-            <a:r>
-              <a:rPr lang="en-US" sz="5062" b="true">
-                <a:solidFill>
-                  <a:srgbClr val="000000"/>
-                </a:solidFill>
-                <a:latin typeface="Canva Sans Bold"/>
-                <a:ea typeface="Canva Sans Bold"/>
-                <a:cs typeface="Canva Sans Bold"/>
-                <a:sym typeface="Canva Sans Bold"/>
-              </a:rPr>
-              <a:t>Visualize data using KQL</a:t>
             </a:r>
           </a:p>
         </p:txBody>

--- a/ElastisearchPresentation/Elasticsearch.pptx
+++ b/ElastisearchPresentation/Elasticsearch.pptx
@@ -19,11 +19,11 @@
   <p:notesSz cx="6858000" cy="9144000"/>
   <p:embeddedFontLst>
     <p:embeddedFont>
-      <p:font typeface="Canva Sans" charset="1" panose="020B0503030501040103"/>
+      <p:font typeface="Canva Sans Bold" charset="1" panose="020B0803030501040103"/>
       <p:regular r:id="rId15"/>
     </p:embeddedFont>
     <p:embeddedFont>
-      <p:font typeface="Canva Sans Bold" charset="1" panose="020B0803030501040103"/>
+      <p:font typeface="Canva Sans" charset="1" panose="020B0503030501040103"/>
       <p:regular r:id="rId16"/>
     </p:embeddedFont>
   </p:embeddedFontLst>
@@ -3061,6 +3061,325 @@
 </file>
 
 <file path=ppt/slides/slide1.xml><?xml version="1.0" encoding="utf-8"?>
+<p:sld xmlns:p="http://schemas.openxmlformats.org/presentationml/2006/main" xmlns:a="http://schemas.openxmlformats.org/drawingml/2006/main">
+  <p:cSld>
+    <p:spTree>
+      <p:nvGrpSpPr>
+        <p:cNvPr id="1" name=""/>
+        <p:cNvGrpSpPr/>
+        <p:nvPr/>
+      </p:nvGrpSpPr>
+      <p:grpSpPr>
+        <a:xfrm>
+          <a:off x="0" y="0"/>
+          <a:ext cx="0" cy="0"/>
+          <a:chOff x="0" y="0"/>
+          <a:chExt cx="0" cy="0"/>
+        </a:xfrm>
+      </p:grpSpPr>
+      <p:sp>
+        <p:nvSpPr>
+          <p:cNvPr name="TextBox 2" id="2"/>
+          <p:cNvSpPr txBox="true"/>
+          <p:nvPr/>
+        </p:nvSpPr>
+        <p:spPr>
+          <a:xfrm rot="0">
+            <a:off x="202532" y="466007"/>
+            <a:ext cx="12790329" cy="1011087"/>
+          </a:xfrm>
+          <a:prstGeom prst="rect">
+            <a:avLst/>
+          </a:prstGeom>
+        </p:spPr>
+        <p:txBody>
+          <a:bodyPr anchor="t" rtlCol="false" tIns="0" lIns="0" bIns="0" rIns="0">
+            <a:spAutoFit/>
+          </a:bodyPr>
+          <a:lstStyle/>
+          <a:p>
+            <a:pPr algn="l">
+              <a:lnSpc>
+                <a:spcPts val="8320"/>
+              </a:lnSpc>
+            </a:pPr>
+            <a:r>
+              <a:rPr lang="en-US" sz="5943" b="true">
+                <a:solidFill>
+                  <a:srgbClr val="000000"/>
+                </a:solidFill>
+                <a:latin typeface="Canva Sans Bold"/>
+                <a:ea typeface="Canva Sans Bold"/>
+                <a:cs typeface="Canva Sans Bold"/>
+                <a:sym typeface="Canva Sans Bold"/>
+              </a:rPr>
+              <a:t>ELK Stack</a:t>
+            </a:r>
+          </a:p>
+        </p:txBody>
+      </p:sp>
+      <p:sp>
+        <p:nvSpPr>
+          <p:cNvPr name="TextBox 3" id="3"/>
+          <p:cNvSpPr txBox="true"/>
+          <p:nvPr/>
+        </p:nvSpPr>
+        <p:spPr>
+          <a:xfrm rot="0">
+            <a:off x="470449" y="1814341"/>
+            <a:ext cx="17817551" cy="1313364"/>
+          </a:xfrm>
+          <a:prstGeom prst="rect">
+            <a:avLst/>
+          </a:prstGeom>
+        </p:spPr>
+        <p:txBody>
+          <a:bodyPr anchor="t" rtlCol="false" tIns="0" lIns="0" bIns="0" rIns="0">
+            <a:spAutoFit/>
+          </a:bodyPr>
+          <a:lstStyle/>
+          <a:p>
+            <a:pPr algn="l">
+              <a:lnSpc>
+                <a:spcPts val="5309"/>
+              </a:lnSpc>
+              <a:spcBef>
+                <a:spcPct val="0"/>
+              </a:spcBef>
+            </a:pPr>
+            <a:r>
+              <a:rPr lang="en-US" sz="3792">
+                <a:solidFill>
+                  <a:srgbClr val="000000"/>
+                </a:solidFill>
+                <a:latin typeface="Canva Sans"/>
+                <a:ea typeface="Canva Sans"/>
+                <a:cs typeface="Canva Sans"/>
+                <a:sym typeface="Canva Sans"/>
+              </a:rPr>
+              <a:t>The ELK stack is a collection of three Open source products. They are developed, managed and maintained by the company called Elastic.</a:t>
+            </a:r>
+          </a:p>
+        </p:txBody>
+      </p:sp>
+      <p:sp>
+        <p:nvSpPr>
+          <p:cNvPr name="TextBox 4" id="4"/>
+          <p:cNvSpPr txBox="true"/>
+          <p:nvPr/>
+        </p:nvSpPr>
+        <p:spPr>
+          <a:xfrm rot="0">
+            <a:off x="11083679" y="5157104"/>
+            <a:ext cx="304575" cy="434790"/>
+          </a:xfrm>
+          <a:prstGeom prst="rect">
+            <a:avLst/>
+          </a:prstGeom>
+        </p:spPr>
+        <p:txBody>
+          <a:bodyPr anchor="t" rtlCol="false" tIns="0" lIns="0" bIns="0" rIns="0">
+            <a:spAutoFit/>
+          </a:bodyPr>
+          <a:lstStyle/>
+          <a:p>
+            <a:pPr algn="ctr">
+              <a:lnSpc>
+                <a:spcPts val="3592"/>
+              </a:lnSpc>
+              <a:spcBef>
+                <a:spcPct val="0"/>
+              </a:spcBef>
+            </a:pPr>
+            <a:r>
+              <a:rPr lang="en-US" b="true" sz="2565">
+                <a:solidFill>
+                  <a:srgbClr val="000000"/>
+                </a:solidFill>
+                <a:latin typeface="Canva Sans Bold"/>
+                <a:ea typeface="Canva Sans Bold"/>
+                <a:cs typeface="Canva Sans Bold"/>
+                <a:sym typeface="Canva Sans Bold"/>
+              </a:rPr>
+              <a:t>W</a:t>
+            </a:r>
+          </a:p>
+        </p:txBody>
+      </p:sp>
+      <p:sp>
+        <p:nvSpPr>
+          <p:cNvPr name="TextBox 5" id="5"/>
+          <p:cNvSpPr txBox="true"/>
+          <p:nvPr/>
+        </p:nvSpPr>
+        <p:spPr>
+          <a:xfrm rot="0">
+            <a:off x="470449" y="3451555"/>
+            <a:ext cx="17525769" cy="6072663"/>
+          </a:xfrm>
+          <a:prstGeom prst="rect">
+            <a:avLst/>
+          </a:prstGeom>
+        </p:spPr>
+        <p:txBody>
+          <a:bodyPr anchor="t" rtlCol="false" tIns="0" lIns="0" bIns="0" rIns="0">
+            <a:spAutoFit/>
+          </a:bodyPr>
+          <a:lstStyle/>
+          <a:p>
+            <a:pPr algn="l">
+              <a:lnSpc>
+                <a:spcPts val="6011"/>
+              </a:lnSpc>
+            </a:pPr>
+          </a:p>
+          <a:p>
+            <a:pPr algn="l">
+              <a:lnSpc>
+                <a:spcPts val="6011"/>
+              </a:lnSpc>
+            </a:pPr>
+            <a:r>
+              <a:rPr lang="en-US" sz="4293">
+                <a:solidFill>
+                  <a:srgbClr val="000000"/>
+                </a:solidFill>
+                <a:latin typeface="Canva Sans"/>
+                <a:ea typeface="Canva Sans"/>
+                <a:cs typeface="Canva Sans"/>
+                <a:sym typeface="Canva Sans"/>
+              </a:rPr>
+              <a:t>•</a:t>
+            </a:r>
+            <a:r>
+              <a:rPr lang="en-US" sz="4293" b="true">
+                <a:solidFill>
+                  <a:srgbClr val="000000"/>
+                </a:solidFill>
+                <a:latin typeface="Canva Sans Bold"/>
+                <a:ea typeface="Canva Sans Bold"/>
+                <a:cs typeface="Canva Sans Bold"/>
+                <a:sym typeface="Canva Sans Bold"/>
+              </a:rPr>
+              <a:t>E</a:t>
+            </a:r>
+            <a:r>
+              <a:rPr lang="en-US" sz="4293">
+                <a:solidFill>
+                  <a:srgbClr val="000000"/>
+                </a:solidFill>
+                <a:latin typeface="Canva Sans"/>
+                <a:ea typeface="Canva Sans"/>
+                <a:cs typeface="Canva Sans"/>
+                <a:sym typeface="Canva Sans"/>
+              </a:rPr>
+              <a:t>- Elasticsearch - Open source full-text search and analytics engine. </a:t>
+            </a:r>
+          </a:p>
+          <a:p>
+            <a:pPr algn="l">
+              <a:lnSpc>
+                <a:spcPts val="6011"/>
+              </a:lnSpc>
+            </a:pPr>
+            <a:r>
+              <a:rPr lang="en-US" sz="4293">
+                <a:solidFill>
+                  <a:srgbClr val="000000"/>
+                </a:solidFill>
+                <a:latin typeface="Canva Sans"/>
+                <a:ea typeface="Canva Sans"/>
+                <a:cs typeface="Canva Sans"/>
+                <a:sym typeface="Canva Sans"/>
+              </a:rPr>
+              <a:t>•</a:t>
+            </a:r>
+            <a:r>
+              <a:rPr lang="en-US" sz="4293" b="true">
+                <a:solidFill>
+                  <a:srgbClr val="000000"/>
+                </a:solidFill>
+                <a:latin typeface="Canva Sans Bold"/>
+                <a:ea typeface="Canva Sans Bold"/>
+                <a:cs typeface="Canva Sans Bold"/>
+                <a:sym typeface="Canva Sans Bold"/>
+              </a:rPr>
+              <a:t>L</a:t>
+            </a:r>
+            <a:r>
+              <a:rPr lang="en-US" sz="4293">
+                <a:solidFill>
+                  <a:srgbClr val="000000"/>
+                </a:solidFill>
+                <a:latin typeface="Canva Sans"/>
+                <a:ea typeface="Canva Sans"/>
+                <a:cs typeface="Canva Sans"/>
+                <a:sym typeface="Canva Sans"/>
+              </a:rPr>
+              <a:t> - Logstash - Used for server-side data processing pipeline for Elasticsearch.</a:t>
+            </a:r>
+          </a:p>
+          <a:p>
+            <a:pPr algn="l">
+              <a:lnSpc>
+                <a:spcPts val="6011"/>
+              </a:lnSpc>
+            </a:pPr>
+            <a:r>
+              <a:rPr lang="en-US" sz="4293">
+                <a:solidFill>
+                  <a:srgbClr val="000000"/>
+                </a:solidFill>
+                <a:latin typeface="Canva Sans"/>
+                <a:ea typeface="Canva Sans"/>
+                <a:cs typeface="Canva Sans"/>
+                <a:sym typeface="Canva Sans"/>
+              </a:rPr>
+              <a:t>•</a:t>
+            </a:r>
+            <a:r>
+              <a:rPr lang="en-US" sz="4293" b="true">
+                <a:solidFill>
+                  <a:srgbClr val="000000"/>
+                </a:solidFill>
+                <a:latin typeface="Canva Sans Bold"/>
+                <a:ea typeface="Canva Sans Bold"/>
+                <a:cs typeface="Canva Sans Bold"/>
+                <a:sym typeface="Canva Sans Bold"/>
+              </a:rPr>
+              <a:t>K </a:t>
+            </a:r>
+            <a:r>
+              <a:rPr lang="en-US" sz="4293">
+                <a:solidFill>
+                  <a:srgbClr val="000000"/>
+                </a:solidFill>
+                <a:latin typeface="Canva Sans"/>
+                <a:ea typeface="Canva Sans"/>
+                <a:cs typeface="Canva Sans"/>
+                <a:sym typeface="Canva Sans"/>
+              </a:rPr>
+              <a:t>- Kibana - Open source browser based visualization tool, mainly used to analyze large volume log files.</a:t>
+            </a:r>
+          </a:p>
+          <a:p>
+            <a:pPr algn="l">
+              <a:lnSpc>
+                <a:spcPts val="6011"/>
+              </a:lnSpc>
+            </a:pPr>
+          </a:p>
+        </p:txBody>
+      </p:sp>
+    </p:spTree>
+  </p:cSld>
+  <p:clrMapOvr>
+    <a:masterClrMapping/>
+  </p:clrMapOvr>
+</p:sld>
+</file>
+
+<file path=ppt/slides/slide2.xml><?xml version="1.0" encoding="utf-8"?>
 <p:sld xmlns:p="http://schemas.openxmlformats.org/presentationml/2006/main" xmlns:a="http://schemas.openxmlformats.org/drawingml/2006/main" xmlns:r="http://schemas.openxmlformats.org/officeDocument/2006/relationships">
   <p:cSld>
     <p:spTree>
@@ -3160,282 +3479,6 @@
                 <a:sym typeface="Canva Sans"/>
               </a:rPr>
               <a:t>Elasticsearch is widely used for application performance, monitoring and observability-related tasks including security information and event management for cyber threat hunting for many industries.</a:t>
-            </a:r>
-          </a:p>
-        </p:txBody>
-      </p:sp>
-    </p:spTree>
-  </p:cSld>
-  <p:clrMapOvr>
-    <a:masterClrMapping/>
-  </p:clrMapOvr>
-</p:sld>
-</file>
-
-<file path=ppt/slides/slide2.xml><?xml version="1.0" encoding="utf-8"?>
-<p:sld xmlns:p="http://schemas.openxmlformats.org/presentationml/2006/main" xmlns:a="http://schemas.openxmlformats.org/drawingml/2006/main">
-  <p:cSld>
-    <p:spTree>
-      <p:nvGrpSpPr>
-        <p:cNvPr id="1" name=""/>
-        <p:cNvGrpSpPr/>
-        <p:nvPr/>
-      </p:nvGrpSpPr>
-      <p:grpSpPr>
-        <a:xfrm>
-          <a:off x="0" y="0"/>
-          <a:ext cx="0" cy="0"/>
-          <a:chOff x="0" y="0"/>
-          <a:chExt cx="0" cy="0"/>
-        </a:xfrm>
-      </p:grpSpPr>
-      <p:sp>
-        <p:nvSpPr>
-          <p:cNvPr name="TextBox 2" id="2"/>
-          <p:cNvSpPr txBox="true"/>
-          <p:nvPr/>
-        </p:nvSpPr>
-        <p:spPr>
-          <a:xfrm rot="0">
-            <a:off x="202532" y="466007"/>
-            <a:ext cx="12790329" cy="1011087"/>
-          </a:xfrm>
-          <a:prstGeom prst="rect">
-            <a:avLst/>
-          </a:prstGeom>
-        </p:spPr>
-        <p:txBody>
-          <a:bodyPr anchor="t" rtlCol="false" tIns="0" lIns="0" bIns="0" rIns="0">
-            <a:spAutoFit/>
-          </a:bodyPr>
-          <a:lstStyle/>
-          <a:p>
-            <a:pPr algn="l">
-              <a:lnSpc>
-                <a:spcPts val="8320"/>
-              </a:lnSpc>
-            </a:pPr>
-            <a:r>
-              <a:rPr lang="en-US" sz="5943" b="true">
-                <a:solidFill>
-                  <a:srgbClr val="000000"/>
-                </a:solidFill>
-                <a:latin typeface="Canva Sans Bold"/>
-                <a:ea typeface="Canva Sans Bold"/>
-                <a:cs typeface="Canva Sans Bold"/>
-                <a:sym typeface="Canva Sans Bold"/>
-              </a:rPr>
-              <a:t>ELK Stack</a:t>
-            </a:r>
-          </a:p>
-        </p:txBody>
-      </p:sp>
-      <p:sp>
-        <p:nvSpPr>
-          <p:cNvPr name="TextBox 3" id="3"/>
-          <p:cNvSpPr txBox="true"/>
-          <p:nvPr/>
-        </p:nvSpPr>
-        <p:spPr>
-          <a:xfrm rot="0">
-            <a:off x="202532" y="1663392"/>
-            <a:ext cx="17817551" cy="1980114"/>
-          </a:xfrm>
-          <a:prstGeom prst="rect">
-            <a:avLst/>
-          </a:prstGeom>
-        </p:spPr>
-        <p:txBody>
-          <a:bodyPr anchor="t" rtlCol="false" tIns="0" lIns="0" bIns="0" rIns="0">
-            <a:spAutoFit/>
-          </a:bodyPr>
-          <a:lstStyle/>
-          <a:p>
-            <a:pPr algn="l">
-              <a:lnSpc>
-                <a:spcPts val="5309"/>
-              </a:lnSpc>
-              <a:spcBef>
-                <a:spcPct val="0"/>
-              </a:spcBef>
-            </a:pPr>
-            <a:r>
-              <a:rPr lang="en-US" sz="3792">
-                <a:solidFill>
-                  <a:srgbClr val="000000"/>
-                </a:solidFill>
-                <a:latin typeface="Canva Sans"/>
-                <a:ea typeface="Canva Sans"/>
-                <a:cs typeface="Canva Sans"/>
-                <a:sym typeface="Canva Sans"/>
-              </a:rPr>
-              <a:t>The ELK stack is a collection of three Open source products - Elasticsearch, LogStash and kibana. they are developed, managed and maintained by the company called Elastic.</a:t>
-            </a:r>
-          </a:p>
-        </p:txBody>
-      </p:sp>
-      <p:sp>
-        <p:nvSpPr>
-          <p:cNvPr name="TextBox 4" id="4"/>
-          <p:cNvSpPr txBox="true"/>
-          <p:nvPr/>
-        </p:nvSpPr>
-        <p:spPr>
-          <a:xfrm rot="0">
-            <a:off x="11083679" y="5157104"/>
-            <a:ext cx="304575" cy="434790"/>
-          </a:xfrm>
-          <a:prstGeom prst="rect">
-            <a:avLst/>
-          </a:prstGeom>
-        </p:spPr>
-        <p:txBody>
-          <a:bodyPr anchor="t" rtlCol="false" tIns="0" lIns="0" bIns="0" rIns="0">
-            <a:spAutoFit/>
-          </a:bodyPr>
-          <a:lstStyle/>
-          <a:p>
-            <a:pPr algn="ctr">
-              <a:lnSpc>
-                <a:spcPts val="3592"/>
-              </a:lnSpc>
-              <a:spcBef>
-                <a:spcPct val="0"/>
-              </a:spcBef>
-            </a:pPr>
-            <a:r>
-              <a:rPr lang="en-US" b="true" sz="2565">
-                <a:solidFill>
-                  <a:srgbClr val="000000"/>
-                </a:solidFill>
-                <a:latin typeface="Canva Sans Bold"/>
-                <a:ea typeface="Canva Sans Bold"/>
-                <a:cs typeface="Canva Sans Bold"/>
-                <a:sym typeface="Canva Sans Bold"/>
-              </a:rPr>
-              <a:t>W</a:t>
-            </a:r>
-          </a:p>
-        </p:txBody>
-      </p:sp>
-      <p:sp>
-        <p:nvSpPr>
-          <p:cNvPr name="TextBox 5" id="5"/>
-          <p:cNvSpPr txBox="true"/>
-          <p:nvPr/>
-        </p:nvSpPr>
-        <p:spPr>
-          <a:xfrm rot="0">
-            <a:off x="0" y="4122178"/>
-            <a:ext cx="17793686" cy="3786663"/>
-          </a:xfrm>
-          <a:prstGeom prst="rect">
-            <a:avLst/>
-          </a:prstGeom>
-        </p:spPr>
-        <p:txBody>
-          <a:bodyPr anchor="t" rtlCol="false" tIns="0" lIns="0" bIns="0" rIns="0">
-            <a:spAutoFit/>
-          </a:bodyPr>
-          <a:lstStyle/>
-          <a:p>
-            <a:pPr algn="l">
-              <a:lnSpc>
-                <a:spcPts val="6011"/>
-              </a:lnSpc>
-            </a:pPr>
-          </a:p>
-          <a:p>
-            <a:pPr algn="l">
-              <a:lnSpc>
-                <a:spcPts val="6011"/>
-              </a:lnSpc>
-            </a:pPr>
-            <a:r>
-              <a:rPr lang="en-US" sz="4293" b="true">
-                <a:solidFill>
-                  <a:srgbClr val="000000"/>
-                </a:solidFill>
-                <a:latin typeface="Canva Sans Bold"/>
-                <a:ea typeface="Canva Sans Bold"/>
-                <a:cs typeface="Canva Sans Bold"/>
-                <a:sym typeface="Canva Sans Bold"/>
-              </a:rPr>
-              <a:t>E  </a:t>
-            </a:r>
-            <a:r>
-              <a:rPr lang="en-US" sz="4293">
-                <a:solidFill>
-                  <a:srgbClr val="000000"/>
-                </a:solidFill>
-                <a:latin typeface="Canva Sans"/>
-                <a:ea typeface="Canva Sans"/>
-                <a:cs typeface="Canva Sans"/>
-                <a:sym typeface="Canva Sans"/>
-              </a:rPr>
-              <a:t>- Open source full-text search and analytics engine. </a:t>
-            </a:r>
-          </a:p>
-          <a:p>
-            <a:pPr algn="l">
-              <a:lnSpc>
-                <a:spcPts val="6011"/>
-              </a:lnSpc>
-            </a:pPr>
-            <a:r>
-              <a:rPr lang="en-US" sz="4293" b="true">
-                <a:solidFill>
-                  <a:srgbClr val="000000"/>
-                </a:solidFill>
-                <a:latin typeface="Canva Sans Bold"/>
-                <a:ea typeface="Canva Sans Bold"/>
-                <a:cs typeface="Canva Sans Bold"/>
-                <a:sym typeface="Canva Sans Bold"/>
-              </a:rPr>
-              <a:t>L</a:t>
-            </a:r>
-            <a:r>
-              <a:rPr lang="en-US" sz="4293">
-                <a:solidFill>
-                  <a:srgbClr val="000000"/>
-                </a:solidFill>
-                <a:latin typeface="Canva Sans"/>
-                <a:ea typeface="Canva Sans"/>
-                <a:cs typeface="Canva Sans"/>
-                <a:sym typeface="Canva Sans"/>
-              </a:rPr>
-              <a:t> - Used for server-side data processing pipeline for Elasticsearch.</a:t>
-            </a:r>
-          </a:p>
-          <a:p>
-            <a:pPr algn="l">
-              <a:lnSpc>
-                <a:spcPts val="6011"/>
-              </a:lnSpc>
-            </a:pPr>
-            <a:r>
-              <a:rPr lang="en-US" b="true" sz="4293">
-                <a:solidFill>
-                  <a:srgbClr val="000000"/>
-                </a:solidFill>
-                <a:latin typeface="Canva Sans Bold"/>
-                <a:ea typeface="Canva Sans Bold"/>
-                <a:cs typeface="Canva Sans Bold"/>
-                <a:sym typeface="Canva Sans Bold"/>
-              </a:rPr>
-              <a:t>K </a:t>
-            </a:r>
-            <a:r>
-              <a:rPr lang="en-US" sz="4293">
-                <a:solidFill>
-                  <a:srgbClr val="000000"/>
-                </a:solidFill>
-                <a:latin typeface="Canva Sans"/>
-                <a:ea typeface="Canva Sans"/>
-                <a:cs typeface="Canva Sans"/>
-                <a:sym typeface="Canva Sans"/>
-              </a:rPr>
-              <a:t>- Open source browser based visualization tool, mainly used to analyze large volume log files.</a:t>
             </a:r>
           </a:p>
         </p:txBody>

--- a/ElastisearchPresentation/Elasticsearch.pptx
+++ b/ElastisearchPresentation/Elasticsearch.pptx
@@ -3170,50 +3170,6 @@
         </p:nvSpPr>
         <p:spPr>
           <a:xfrm rot="0">
-            <a:off x="11083679" y="5157104"/>
-            <a:ext cx="304575" cy="434790"/>
-          </a:xfrm>
-          <a:prstGeom prst="rect">
-            <a:avLst/>
-          </a:prstGeom>
-        </p:spPr>
-        <p:txBody>
-          <a:bodyPr anchor="t" rtlCol="false" tIns="0" lIns="0" bIns="0" rIns="0">
-            <a:spAutoFit/>
-          </a:bodyPr>
-          <a:lstStyle/>
-          <a:p>
-            <a:pPr algn="ctr">
-              <a:lnSpc>
-                <a:spcPts val="3592"/>
-              </a:lnSpc>
-              <a:spcBef>
-                <a:spcPct val="0"/>
-              </a:spcBef>
-            </a:pPr>
-            <a:r>
-              <a:rPr lang="en-US" b="true" sz="2565">
-                <a:solidFill>
-                  <a:srgbClr val="000000"/>
-                </a:solidFill>
-                <a:latin typeface="Canva Sans Bold"/>
-                <a:ea typeface="Canva Sans Bold"/>
-                <a:cs typeface="Canva Sans Bold"/>
-                <a:sym typeface="Canva Sans Bold"/>
-              </a:rPr>
-              <a:t>W</a:t>
-            </a:r>
-          </a:p>
-        </p:txBody>
-      </p:sp>
-      <p:sp>
-        <p:nvSpPr>
-          <p:cNvPr name="TextBox 5" id="5"/>
-          <p:cNvSpPr txBox="true"/>
-          <p:nvPr/>
-        </p:nvSpPr>
-        <p:spPr>
-          <a:xfrm rot="0">
             <a:off x="470449" y="3451555"/>
             <a:ext cx="17525769" cy="6072663"/>
           </a:xfrm>
@@ -3678,7 +3634,7 @@
                 <a:cs typeface="Canva Sans"/>
                 <a:sym typeface="Canva Sans"/>
               </a:rPr>
-              <a:t>: It is a set of conditions to perform a particular action or event</a:t>
+              <a:t>: It is a set of conditions to perform a particular action or event.</a:t>
             </a:r>
           </a:p>
           <a:p>
@@ -3711,7 +3667,7 @@
                 <a:cs typeface="Canva Sans"/>
                 <a:sym typeface="Canva Sans"/>
               </a:rPr>
-              <a:t>: Decision maker for processed event or log</a:t>
+              <a:t>: Decision maker for processed event or log.</a:t>
             </a:r>
           </a:p>
         </p:txBody>
@@ -4441,7 +4397,7 @@
                 <a:cs typeface="Canva Sans"/>
                 <a:sym typeface="Canva Sans"/>
               </a:rPr>
-              <a:t> clause excludes documents that match specific criteria,</a:t>
+              <a:t> clause excludes documents that match specific criteria.</a:t>
             </a:r>
           </a:p>
           <a:p>
@@ -4486,7 +4442,7 @@
                 <a:cs typeface="Canva Sans"/>
                 <a:sym typeface="Canva Sans"/>
               </a:rPr>
-              <a:t>clause specifies additional conditions that are desirable, but not required for a document to be considered a match. if the document matches, it will contribute to the scoring</a:t>
+              <a:t>clause specifies additional conditions that are desirable, but not required for a document to be considered a match. if the document matches, it will contribute to the scoring.</a:t>
             </a:r>
           </a:p>
           <a:p>
